--- a/tex/2016/presentation/presentation.pptx
+++ b/tex/2016/presentation/presentation.pptx
@@ -21,6 +21,7 @@
     <p:sldId id="266" r:id="rId15"/>
     <p:sldId id="267" r:id="rId16"/>
     <p:sldId id="268" r:id="rId17"/>
+    <p:sldId id="269" r:id="rId18"/>
   </p:sldIdLst>
   <p:sldSz cy="5143500" cx="9144000"/>
   <p:notesSz cx="6858000" cy="9144000"/>
@@ -812,6 +813,101 @@
       <p:sp>
         <p:nvSpPr>
           <p:cNvPr id="124" name="Shape 124"/>
+          <p:cNvSpPr txBox="1"/>
+          <p:nvPr>
+            <p:ph idx="1" type="body"/>
+          </p:nvPr>
+        </p:nvSpPr>
+        <p:spPr>
+          <a:xfrm>
+            <a:off x="685800" y="4343400"/>
+            <a:ext cx="5486400" cy="4114800"/>
+          </a:xfrm>
+          <a:prstGeom prst="rect">
+            <a:avLst/>
+          </a:prstGeom>
+        </p:spPr>
+        <p:txBody>
+          <a:bodyPr anchorCtr="0" anchor="t" bIns="91425" lIns="91425" rIns="91425" tIns="91425">
+            <a:noAutofit/>
+          </a:bodyPr>
+          <a:lstStyle/>
+          <a:p>
+            <a:pPr lvl="0">
+              <a:spcBef>
+                <a:spcPts val="0"/>
+              </a:spcBef>
+              <a:buNone/>
+            </a:pPr>
+            <a:r>
+              <a:t/>
+            </a:r>
+            <a:endParaRPr/>
+          </a:p>
+        </p:txBody>
+      </p:sp>
+    </p:spTree>
+  </p:cSld>
+  <p:clrMapOvr>
+    <a:masterClrMapping/>
+  </p:clrMapOvr>
+</p:notes>
+</file>
+
+<file path=ppt/notesSlides/notesSlide14.xml><?xml version="1.0" encoding="utf-8"?>
+<p:notes xmlns:a="http://schemas.openxmlformats.org/drawingml/2006/main" xmlns:r="http://schemas.openxmlformats.org/officeDocument/2006/relationships" xmlns:mc="http://schemas.openxmlformats.org/markup-compatibility/2006" xmlns:mv="urn:schemas-microsoft-com:mac:vml" xmlns:p="http://schemas.openxmlformats.org/presentationml/2006/main" xmlns:c="http://schemas.openxmlformats.org/drawingml/2006/chart" xmlns:dgm="http://schemas.openxmlformats.org/drawingml/2006/diagram" xmlns:o="urn:schemas-microsoft-com:office:office" xmlns:v="urn:schemas-microsoft-com:vml" xmlns:pvml="urn:schemas-microsoft-com:office:powerpoint" xmlns:com="http://schemas.openxmlformats.org/drawingml/2006/compatibility" xmlns:p14="http://schemas.microsoft.com/office/powerpoint/2010/main" showMasterPhAnim="0" showMasterSp="0">
+  <p:cSld>
+    <p:spTree>
+      <p:nvGrpSpPr>
+        <p:cNvPr id="128" name="Shape 128"/>
+        <p:cNvGrpSpPr/>
+        <p:nvPr/>
+      </p:nvGrpSpPr>
+      <p:grpSpPr>
+        <a:xfrm>
+          <a:off x="0" y="0"/>
+          <a:ext cx="0" cy="0"/>
+          <a:chOff x="0" y="0"/>
+          <a:chExt cx="0" cy="0"/>
+        </a:xfrm>
+      </p:grpSpPr>
+      <p:sp>
+        <p:nvSpPr>
+          <p:cNvPr id="129" name="Shape 129"/>
+          <p:cNvSpPr/>
+          <p:nvPr>
+            <p:ph idx="2" type="sldImg"/>
+          </p:nvPr>
+        </p:nvSpPr>
+        <p:spPr>
+          <a:xfrm>
+            <a:off x="381300" y="685800"/>
+            <a:ext cx="6096000" cy="3429000"/>
+          </a:xfrm>
+          <a:custGeom>
+            <a:pathLst>
+              <a:path extrusionOk="0" h="120000" w="120000">
+                <a:moveTo>
+                  <a:pt x="0" y="0"/>
+                </a:moveTo>
+                <a:lnTo>
+                  <a:pt x="120000" y="0"/>
+                </a:lnTo>
+                <a:lnTo>
+                  <a:pt x="120000" y="120000"/>
+                </a:lnTo>
+                <a:lnTo>
+                  <a:pt x="0" y="120000"/>
+                </a:lnTo>
+                <a:close/>
+              </a:path>
+            </a:pathLst>
+          </a:custGeom>
+        </p:spPr>
+      </p:sp>
+      <p:sp>
+        <p:nvSpPr>
+          <p:cNvPr id="130" name="Shape 130"/>
           <p:cNvSpPr txBox="1"/>
           <p:nvPr>
             <p:ph idx="1" type="body"/>
@@ -4830,7 +4926,7 @@
         </p:nvSpPr>
         <p:spPr>
           <a:xfrm>
-            <a:off x="671257" y="981000"/>
+            <a:off x="671257" y="283000"/>
             <a:ext cx="7801500" cy="1730100"/>
           </a:xfrm>
           <a:prstGeom prst="rect">
@@ -4866,8 +4962,8 @@
         </p:nvSpPr>
         <p:spPr>
           <a:xfrm>
-            <a:off x="671250" y="3702999"/>
-            <a:ext cx="7801500" cy="825000"/>
+            <a:off x="458700" y="2883400"/>
+            <a:ext cx="8226600" cy="1859100"/>
           </a:xfrm>
           <a:prstGeom prst="rect">
             <a:avLst/>
@@ -4880,17 +4976,19 @@
           <a:lstStyle/>
           <a:p>
             <a:pPr lvl="0" rtl="0">
-              <a:lnSpc>
-                <a:spcPct val="100000"/>
-              </a:lnSpc>
-              <a:spcBef>
-                <a:spcPts val="0"/>
-              </a:spcBef>
+              <a:spcBef>
+                <a:spcPts val="0"/>
+              </a:spcBef>
+              <a:buClr>
+                <a:schemeClr val="dk1"/>
+              </a:buClr>
+              <a:buSzPct val="55000"/>
+              <a:buFont typeface="Arial"/>
               <a:buNone/>
             </a:pPr>
             <a:r>
               <a:rPr lang="en" sz="2000"/>
-              <a:t>ՀՀ ԳԱԱ Գիտակրթական Միջազգային Կենտրոն</a:t>
+              <a:t>Գիտական ղեկավար՝  ֆիզ․֊մաթ․ գիտ․ դոկտոր, պրոֆեսոր Մարիամ Հարությունյան</a:t>
             </a:r>
           </a:p>
           <a:p>
@@ -4905,6 +5003,36 @@
             </a:pPr>
             <a:r>
               <a:rPr lang="en" sz="2000"/>
+              <a:t>Մագիստրոսական Թեզ</a:t>
+            </a:r>
+          </a:p>
+          <a:p>
+            <a:pPr lvl="0" rtl="0">
+              <a:lnSpc>
+                <a:spcPct val="100000"/>
+              </a:lnSpc>
+              <a:spcBef>
+                <a:spcPts val="0"/>
+              </a:spcBef>
+              <a:buNone/>
+            </a:pPr>
+            <a:r>
+              <a:rPr lang="en" sz="2000"/>
+              <a:t>ՀՀ ԳԱԱ Գիտակրթական Միջազգային Կենտրոն</a:t>
+            </a:r>
+          </a:p>
+          <a:p>
+            <a:pPr lvl="0" rtl="0">
+              <a:lnSpc>
+                <a:spcPct val="100000"/>
+              </a:lnSpc>
+              <a:spcBef>
+                <a:spcPts val="0"/>
+              </a:spcBef>
+              <a:buNone/>
+            </a:pPr>
+            <a:r>
+              <a:rPr lang="en" sz="2000"/>
               <a:t>Ինֆորմատիկայի և Հաշվողական Տեխնիկայի Ամբիոն</a:t>
             </a:r>
           </a:p>
@@ -4918,7 +5046,7 @@
         </p:nvSpPr>
         <p:spPr>
           <a:xfrm>
-            <a:off x="3735900" y="4528000"/>
+            <a:off x="3735900" y="4742400"/>
             <a:ext cx="1672200" cy="401100"/>
           </a:xfrm>
           <a:prstGeom prst="rect">
@@ -4960,8 +5088,8 @@
         </p:nvSpPr>
         <p:spPr>
           <a:xfrm>
-            <a:off x="1494300" y="2711100"/>
-            <a:ext cx="6155400" cy="991800"/>
+            <a:off x="1494300" y="2013100"/>
+            <a:ext cx="6155400" cy="870300"/>
           </a:xfrm>
           <a:prstGeom prst="rect">
             <a:avLst/>
@@ -4996,7 +5124,7 @@
     <a:masterClrMapping/>
   </p:clrMapOvr>
   <p:transition spd="slow">
-    <p:cut/>
+    <p:fade/>
   </p:transition>
 </p:sld>
 </file>
@@ -5049,7 +5177,7 @@
             </a:pPr>
             <a:r>
               <a:rPr lang="en"/>
-              <a:t>Նախկին փորձ</a:t>
+              <a:t>Այլընտրանք</a:t>
             </a:r>
           </a:p>
         </p:txBody>
@@ -5077,6 +5205,85 @@
           </a:bodyPr>
           <a:lstStyle/>
           <a:p>
+            <a:pPr lvl="0">
+              <a:spcBef>
+                <a:spcPts val="0"/>
+              </a:spcBef>
+              <a:buNone/>
+            </a:pPr>
+            <a:r>
+              <a:rPr lang="en"/>
+              <a:t>Ներկայացված այլընտրանքը ծրագիր է, որը համակարգերը սկանավորում է ներսից։</a:t>
+            </a:r>
+          </a:p>
+          <a:p>
+            <a:pPr lvl="0">
+              <a:spcBef>
+                <a:spcPts val="0"/>
+              </a:spcBef>
+              <a:buNone/>
+            </a:pPr>
+            <a:r>
+              <a:rPr lang="en"/>
+              <a:t>Հնարավոր է ստուգումների առավել լայն շրջանակ՝</a:t>
+            </a:r>
+          </a:p>
+          <a:p>
+            <a:pPr indent="-228600" lvl="0" marL="457200">
+              <a:spcBef>
+                <a:spcPts val="0"/>
+              </a:spcBef>
+            </a:pPr>
+            <a:r>
+              <a:rPr lang="en"/>
+              <a:t>թարմացումների առկայության ստուգում (APT, YUM, Pacman),</a:t>
+            </a:r>
+          </a:p>
+          <a:p>
+            <a:pPr indent="-228600" lvl="0" marL="457200">
+              <a:spcBef>
+                <a:spcPts val="0"/>
+              </a:spcBef>
+            </a:pPr>
+            <a:r>
+              <a:rPr lang="en"/>
+              <a:t>ֆայլերի և դիրեկտորիաների թույլտվություններ,</a:t>
+            </a:r>
+          </a:p>
+          <a:p>
+            <a:pPr indent="-228600" lvl="0" marL="457200">
+              <a:spcBef>
+                <a:spcPts val="0"/>
+              </a:spcBef>
+            </a:pPr>
+            <a:r>
+              <a:rPr lang="en"/>
+              <a:t>բաց պորտեր,</a:t>
+            </a:r>
+          </a:p>
+          <a:p>
+            <a:pPr indent="-228600" lvl="0" marL="457200">
+              <a:spcBef>
+                <a:spcPts val="0"/>
+              </a:spcBef>
+            </a:pPr>
+            <a:r>
+              <a:rPr lang="en"/>
+              <a:t>root օգտագործող,</a:t>
+            </a:r>
+          </a:p>
+          <a:p>
+            <a:pPr indent="-228600" lvl="0" marL="457200">
+              <a:spcBef>
+                <a:spcPts val="0"/>
+              </a:spcBef>
+            </a:pPr>
+            <a:r>
+              <a:rPr lang="en"/>
+              <a:t>umask,</a:t>
+            </a:r>
+          </a:p>
+          <a:p>
             <a:pPr indent="-228600" lvl="0" marL="457200" rtl="0">
               <a:spcBef>
                 <a:spcPts val="0"/>
@@ -5084,51 +5291,7 @@
             </a:pPr>
             <a:r>
               <a:rPr lang="en"/>
-              <a:t>MBSA</a:t>
-            </a:r>
-          </a:p>
-          <a:p>
-            <a:pPr indent="-228600" lvl="0" marL="457200" rtl="0">
-              <a:spcBef>
-                <a:spcPts val="0"/>
-              </a:spcBef>
-            </a:pPr>
-            <a:r>
-              <a:rPr lang="en"/>
-              <a:t>Buck-Security</a:t>
-            </a:r>
-          </a:p>
-          <a:p>
-            <a:pPr indent="-228600" lvl="0" marL="457200" rtl="0">
-              <a:spcBef>
-                <a:spcPts val="0"/>
-              </a:spcBef>
-            </a:pPr>
-            <a:r>
-              <a:rPr lang="en"/>
-              <a:t>Lynis</a:t>
-            </a:r>
-          </a:p>
-          <a:p>
-            <a:pPr indent="-228600" lvl="0" marL="457200" rtl="0">
-              <a:spcBef>
-                <a:spcPts val="0"/>
-              </a:spcBef>
-            </a:pPr>
-            <a:r>
-              <a:rPr lang="en"/>
-              <a:t>MaxPatrol</a:t>
-            </a:r>
-          </a:p>
-          <a:p>
-            <a:pPr indent="-228600" lvl="0" marL="457200">
-              <a:spcBef>
-                <a:spcPts val="0"/>
-              </a:spcBef>
-            </a:pPr>
-            <a:r>
-              <a:rPr lang="en"/>
-              <a:t>Tiger</a:t>
+              <a:t>SSHd:</a:t>
             </a:r>
           </a:p>
         </p:txBody>
@@ -5139,7 +5302,7 @@
     <a:masterClrMapping/>
   </p:clrMapOvr>
   <p:transition spd="slow">
-    <p:cut/>
+    <p:fade/>
   </p:transition>
 </p:sld>
 </file>
@@ -5192,7 +5355,7 @@
             </a:pPr>
             <a:r>
               <a:rPr lang="en"/>
-              <a:t>Այլընտրանք</a:t>
+              <a:t>Նախկին փորձ</a:t>
             </a:r>
           </a:p>
         </p:txBody>
@@ -5220,18 +5383,6 @@
           </a:bodyPr>
           <a:lstStyle/>
           <a:p>
-            <a:pPr lvl="0">
-              <a:spcBef>
-                <a:spcPts val="0"/>
-              </a:spcBef>
-              <a:buNone/>
-            </a:pPr>
-            <a:r>
-              <a:rPr lang="en"/>
-              <a:t>Ներկայացված այլընտրանքը՝</a:t>
-            </a:r>
-          </a:p>
-          <a:p>
             <a:pPr indent="-228600" lvl="0" marL="457200" rtl="0">
               <a:spcBef>
                 <a:spcPts val="0"/>
@@ -5239,7 +5390,40 @@
             </a:pPr>
             <a:r>
               <a:rPr lang="en"/>
-              <a:t>Իրականացված է Python լեզվով</a:t>
+              <a:t>MBSA,</a:t>
+            </a:r>
+          </a:p>
+          <a:p>
+            <a:pPr indent="-228600" lvl="0" marL="457200" rtl="0">
+              <a:spcBef>
+                <a:spcPts val="0"/>
+              </a:spcBef>
+            </a:pPr>
+            <a:r>
+              <a:rPr lang="en"/>
+              <a:t>Buck-Security,</a:t>
+            </a:r>
+          </a:p>
+          <a:p>
+            <a:pPr indent="-228600" lvl="0" marL="457200" rtl="0">
+              <a:spcBef>
+                <a:spcPts val="0"/>
+              </a:spcBef>
+            </a:pPr>
+            <a:r>
+              <a:rPr lang="en"/>
+              <a:t>Lynis,</a:t>
+            </a:r>
+          </a:p>
+          <a:p>
+            <a:pPr indent="-228600" lvl="0" marL="457200" rtl="0">
+              <a:spcBef>
+                <a:spcPts val="0"/>
+              </a:spcBef>
+            </a:pPr>
+            <a:r>
+              <a:rPr lang="en"/>
+              <a:t>MaxPatrol,</a:t>
             </a:r>
           </a:p>
           <a:p>
@@ -5250,104 +5434,7 @@
             </a:pPr>
             <a:r>
               <a:rPr lang="en"/>
-              <a:t>Սկզբնական կոդը հասանելի է` </a:t>
-            </a:r>
-            <a:r>
-              <a:rPr lang="en">
-                <a:latin typeface="Courier New"/>
-                <a:ea typeface="Courier New"/>
-                <a:cs typeface="Courier New"/>
-                <a:sym typeface="Courier New"/>
-              </a:rPr>
-              <a:t>https://github.com/axper/lmap</a:t>
-            </a:r>
-          </a:p>
-          <a:p>
-            <a:pPr indent="-228600" lvl="0" marL="457200" rtl="0">
-              <a:spcBef>
-                <a:spcPts val="0"/>
-              </a:spcBef>
-            </a:pPr>
-            <a:r>
-              <a:rPr lang="en"/>
-              <a:t>Համակարգերը սկանավորում է ներսից</a:t>
-            </a:r>
-          </a:p>
-          <a:p>
-            <a:pPr indent="-228600" lvl="0" marL="457200" rtl="0">
-              <a:spcBef>
-                <a:spcPts val="0"/>
-              </a:spcBef>
-            </a:pPr>
-            <a:r>
-              <a:rPr lang="en"/>
-              <a:t>Ստուգումների առավել լայն շրջանակ</a:t>
-            </a:r>
-          </a:p>
-          <a:p>
-            <a:pPr indent="-228600" lvl="1" marL="914400" rtl="0">
-              <a:spcBef>
-                <a:spcPts val="0"/>
-              </a:spcBef>
-            </a:pPr>
-            <a:r>
-              <a:rPr lang="en"/>
-              <a:t>Թարմացումների առկայության ստուգում (APT, YUM, Pacman)</a:t>
-            </a:r>
-          </a:p>
-          <a:p>
-            <a:pPr indent="-228600" lvl="1" marL="914400" rtl="0">
-              <a:spcBef>
-                <a:spcPts val="0"/>
-              </a:spcBef>
-            </a:pPr>
-            <a:r>
-              <a:rPr lang="en"/>
-              <a:t>Ֆայլերի և դիրեկտորիաների թույլտվություններ</a:t>
-            </a:r>
-          </a:p>
-          <a:p>
-            <a:pPr indent="-228600" lvl="1" marL="914400" rtl="0">
-              <a:spcBef>
-                <a:spcPts val="0"/>
-              </a:spcBef>
-            </a:pPr>
-            <a:r>
-              <a:rPr lang="en"/>
-              <a:t>Բաց պորտեր</a:t>
-            </a:r>
-          </a:p>
-          <a:p>
-            <a:pPr indent="-228600" lvl="1" marL="914400" rtl="0">
-              <a:spcBef>
-                <a:spcPts val="0"/>
-              </a:spcBef>
-            </a:pPr>
-            <a:r>
-              <a:rPr lang="en"/>
-              <a:t>Root օգագործող</a:t>
-            </a:r>
-          </a:p>
-          <a:p>
-            <a:pPr indent="-228600" lvl="1" marL="914400" rtl="0">
-              <a:spcBef>
-                <a:spcPts val="0"/>
-              </a:spcBef>
-            </a:pPr>
-            <a:r>
-              <a:rPr lang="en"/>
-              <a:t>Umask</a:t>
-            </a:r>
-          </a:p>
-          <a:p>
-            <a:pPr indent="-228600" lvl="1" marL="914400" rtl="0">
-              <a:spcBef>
-                <a:spcPts val="0"/>
-              </a:spcBef>
-            </a:pPr>
-            <a:r>
-              <a:rPr lang="en"/>
-              <a:t>SSHd</a:t>
+              <a:t>Tiger։</a:t>
             </a:r>
           </a:p>
         </p:txBody>
@@ -5358,7 +5445,7 @@
     <a:masterClrMapping/>
   </p:clrMapOvr>
   <p:transition spd="slow">
-    <p:cut/>
+    <p:fade/>
   </p:transition>
 </p:sld>
 </file>
@@ -5411,7 +5498,7 @@
             </a:pPr>
             <a:r>
               <a:rPr lang="en"/>
-              <a:t>Եզրակացություն</a:t>
+              <a:t>Այլընտրանքի իրականացումը</a:t>
             </a:r>
           </a:p>
         </p:txBody>
@@ -5439,18 +5526,6 @@
           </a:bodyPr>
           <a:lstStyle/>
           <a:p>
-            <a:pPr lvl="0">
-              <a:spcBef>
-                <a:spcPts val="0"/>
-              </a:spcBef>
-              <a:buNone/>
-            </a:pPr>
-            <a:r>
-              <a:rPr lang="en"/>
-              <a:t>Առավելություններ՝</a:t>
-            </a:r>
-          </a:p>
-          <a:p>
             <a:pPr indent="-228600" lvl="0" marL="457200" rtl="0">
               <a:spcBef>
                 <a:spcPts val="0"/>
@@ -5458,7 +5533,7 @@
             </a:pPr>
             <a:r>
               <a:rPr lang="en"/>
-              <a:t>Արագագործություն</a:t>
+              <a:t>իրականացված է Python լեզվով,</a:t>
             </a:r>
           </a:p>
           <a:p>
@@ -5469,74 +5544,29 @@
             </a:pPr>
             <a:r>
               <a:rPr lang="en"/>
-              <a:t>Հուսալիություն</a:t>
-            </a:r>
-          </a:p>
-          <a:p>
-            <a:pPr indent="-228600" lvl="0" marL="457200" rtl="0">
-              <a:spcBef>
-                <a:spcPts val="0"/>
-              </a:spcBef>
-            </a:pPr>
-            <a:r>
-              <a:rPr lang="en"/>
-              <a:t>Միանշանակ արդյունքներ</a:t>
-            </a:r>
-          </a:p>
-          <a:p>
-            <a:pPr indent="-228600" lvl="0" marL="457200" rtl="0">
-              <a:spcBef>
-                <a:spcPts val="0"/>
-              </a:spcBef>
-            </a:pPr>
-            <a:r>
-              <a:rPr lang="en"/>
-              <a:t>Հնարավոր բազմազան ստուգումներ</a:t>
-            </a:r>
-          </a:p>
-          <a:p>
-            <a:pPr lvl="0" rtl="0">
-              <a:spcBef>
-                <a:spcPts val="0"/>
-              </a:spcBef>
-              <a:buNone/>
-            </a:pPr>
-            <a:r>
-              <a:rPr lang="en"/>
-              <a:t>Թերություններ՝</a:t>
-            </a:r>
-          </a:p>
-          <a:p>
-            <a:pPr indent="-228600" lvl="0" marL="457200" rtl="0">
-              <a:spcBef>
-                <a:spcPts val="0"/>
-              </a:spcBef>
-            </a:pPr>
-            <a:r>
-              <a:rPr lang="en"/>
-              <a:t>Անհրաժեշտ է հետագա երկարատև մշակում</a:t>
-            </a:r>
-          </a:p>
-          <a:p>
-            <a:pPr indent="-228600" lvl="0" marL="457200" rtl="0">
-              <a:spcBef>
-                <a:spcPts val="0"/>
-              </a:spcBef>
-            </a:pPr>
-            <a:r>
-              <a:rPr lang="en"/>
-              <a:t>Անհրաժեշտ է հասանելիություն ներսից</a:t>
-            </a:r>
-          </a:p>
-          <a:p>
-            <a:pPr indent="-228600" lvl="0" marL="457200">
-              <a:spcBef>
-                <a:spcPts val="0"/>
-              </a:spcBef>
-            </a:pPr>
-            <a:r>
-              <a:rPr lang="en"/>
-              <a:t>Անհրաժեշտ է վստահություն ադմինիստրատորների կողմից</a:t>
+              <a:t>սկզբնական կոդը հասանելի է </a:t>
+            </a:r>
+            <a:r>
+              <a:rPr lang="en" u="sng">
+                <a:solidFill>
+                  <a:schemeClr val="hlink"/>
+                </a:solidFill>
+                <a:latin typeface="Courier New"/>
+                <a:ea typeface="Courier New"/>
+                <a:cs typeface="Courier New"/>
+                <a:sym typeface="Courier New"/>
+                <a:hlinkClick r:id="rId3"/>
+              </a:rPr>
+              <a:t>https://github.com/axper/lmap</a:t>
+            </a:r>
+            <a:r>
+              <a:rPr lang="en">
+                <a:latin typeface="Courier New"/>
+                <a:ea typeface="Courier New"/>
+                <a:cs typeface="Courier New"/>
+                <a:sym typeface="Courier New"/>
+              </a:rPr>
+              <a:t> հասցեով։</a:t>
             </a:r>
           </a:p>
         </p:txBody>
@@ -5547,7 +5577,7 @@
     <a:masterClrMapping/>
   </p:clrMapOvr>
   <p:transition spd="slow">
-    <p:cut/>
+    <p:fade/>
   </p:transition>
 </p:sld>
 </file>
@@ -5579,15 +5609,15 @@
         </p:nvSpPr>
         <p:spPr>
           <a:xfrm>
-            <a:off x="311700" y="2150850"/>
-            <a:ext cx="8520600" cy="841800"/>
+            <a:off x="311700" y="445025"/>
+            <a:ext cx="8520600" cy="572700"/>
           </a:xfrm>
           <a:prstGeom prst="rect">
             <a:avLst/>
           </a:prstGeom>
         </p:spPr>
         <p:txBody>
-          <a:bodyPr anchorCtr="0" anchor="ctr" bIns="91425" lIns="91425" rIns="91425" tIns="91425">
+          <a:bodyPr anchorCtr="0" anchor="t" bIns="91425" lIns="91425" rIns="91425" tIns="91425">
             <a:noAutofit/>
           </a:bodyPr>
           <a:lstStyle/>
@@ -5600,7 +5630,132 @@
             </a:pPr>
             <a:r>
               <a:rPr lang="en"/>
-              <a:t>Շնորհակալություն</a:t>
+              <a:t>Եզրակացություն</a:t>
+            </a:r>
+          </a:p>
+        </p:txBody>
+      </p:sp>
+      <p:sp>
+        <p:nvSpPr>
+          <p:cNvPr id="127" name="Shape 127"/>
+          <p:cNvSpPr txBox="1"/>
+          <p:nvPr>
+            <p:ph idx="1" type="body"/>
+          </p:nvPr>
+        </p:nvSpPr>
+        <p:spPr>
+          <a:xfrm>
+            <a:off x="311700" y="1152475"/>
+            <a:ext cx="8520600" cy="3416400"/>
+          </a:xfrm>
+          <a:prstGeom prst="rect">
+            <a:avLst/>
+          </a:prstGeom>
+        </p:spPr>
+        <p:txBody>
+          <a:bodyPr anchorCtr="0" anchor="t" bIns="91425" lIns="91425" rIns="91425" tIns="91425">
+            <a:noAutofit/>
+          </a:bodyPr>
+          <a:lstStyle/>
+          <a:p>
+            <a:pPr lvl="0">
+              <a:spcBef>
+                <a:spcPts val="0"/>
+              </a:spcBef>
+              <a:buNone/>
+            </a:pPr>
+            <a:r>
+              <a:rPr lang="en"/>
+              <a:t>Իրականացված աշխատանքի առավելությունները ցանցային սկաներների նկատմամբ՝</a:t>
+            </a:r>
+          </a:p>
+          <a:p>
+            <a:pPr indent="-228600" lvl="0" marL="457200" rtl="0">
+              <a:spcBef>
+                <a:spcPts val="0"/>
+              </a:spcBef>
+            </a:pPr>
+            <a:r>
+              <a:rPr lang="en"/>
+              <a:t>արագագործություն,</a:t>
+            </a:r>
+          </a:p>
+          <a:p>
+            <a:pPr indent="-228600" lvl="0" marL="457200" rtl="0">
+              <a:spcBef>
+                <a:spcPts val="0"/>
+              </a:spcBef>
+            </a:pPr>
+            <a:r>
+              <a:rPr lang="en"/>
+              <a:t>հուսալիություն,</a:t>
+            </a:r>
+          </a:p>
+          <a:p>
+            <a:pPr indent="-228600" lvl="0" marL="457200" rtl="0">
+              <a:spcBef>
+                <a:spcPts val="0"/>
+              </a:spcBef>
+            </a:pPr>
+            <a:r>
+              <a:rPr lang="en"/>
+              <a:t>միանշանակ արդյունքներ,</a:t>
+            </a:r>
+          </a:p>
+          <a:p>
+            <a:pPr indent="-228600" lvl="0" marL="457200" rtl="0">
+              <a:spcBef>
+                <a:spcPts val="0"/>
+              </a:spcBef>
+            </a:pPr>
+            <a:r>
+              <a:rPr lang="en"/>
+              <a:t>հնարավոր առավել բազմազան ստուգումներ։</a:t>
+            </a:r>
+          </a:p>
+          <a:p>
+            <a:pPr lvl="0" rtl="0">
+              <a:spcBef>
+                <a:spcPts val="0"/>
+              </a:spcBef>
+              <a:buNone/>
+            </a:pPr>
+            <a:r>
+              <a:rPr lang="en"/>
+              <a:t>Անհրաժեշտ է՝</a:t>
+            </a:r>
+          </a:p>
+          <a:p>
+            <a:pPr indent="-228600" lvl="0" marL="457200" rtl="0">
+              <a:spcBef>
+                <a:spcPts val="0"/>
+              </a:spcBef>
+            </a:pPr>
+            <a:r>
+              <a:rPr lang="en"/>
+              <a:t>հետագա երկարատև մշակում և կատարելագործում,</a:t>
+            </a:r>
+          </a:p>
+          <a:p>
+            <a:pPr indent="-228600" lvl="0" marL="457200" rtl="0">
+              <a:spcBef>
+                <a:spcPts val="0"/>
+              </a:spcBef>
+            </a:pPr>
+            <a:r>
+              <a:rPr lang="en"/>
+              <a:t>հասանելիություն ներսից,</a:t>
+            </a:r>
+          </a:p>
+          <a:p>
+            <a:pPr indent="-228600" lvl="0" marL="457200">
+              <a:spcBef>
+                <a:spcPts val="0"/>
+              </a:spcBef>
+            </a:pPr>
+            <a:r>
+              <a:rPr lang="en"/>
+              <a:t>վստահություն ադմինիստրատորների կողմից։</a:t>
             </a:r>
           </a:p>
         </p:txBody>
@@ -5611,7 +5766,71 @@
     <a:masterClrMapping/>
   </p:clrMapOvr>
   <p:transition spd="slow">
-    <p:cut/>
+    <p:fade/>
+  </p:transition>
+</p:sld>
+</file>
+
+<file path=ppt/slides/slide14.xml><?xml version="1.0" encoding="utf-8"?>
+<p:sld xmlns:a="http://schemas.openxmlformats.org/drawingml/2006/main" xmlns:r="http://schemas.openxmlformats.org/officeDocument/2006/relationships" xmlns:mc="http://schemas.openxmlformats.org/markup-compatibility/2006" xmlns:mv="urn:schemas-microsoft-com:mac:vml" xmlns:p="http://schemas.openxmlformats.org/presentationml/2006/main" xmlns:c="http://schemas.openxmlformats.org/drawingml/2006/chart" xmlns:dgm="http://schemas.openxmlformats.org/drawingml/2006/diagram" xmlns:o="urn:schemas-microsoft-com:office:office" xmlns:v="urn:schemas-microsoft-com:vml" xmlns:pvml="urn:schemas-microsoft-com:office:powerpoint" xmlns:com="http://schemas.openxmlformats.org/drawingml/2006/compatibility" xmlns:p14="http://schemas.microsoft.com/office/powerpoint/2010/main">
+  <p:cSld>
+    <p:spTree>
+      <p:nvGrpSpPr>
+        <p:cNvPr id="131" name="Shape 131"/>
+        <p:cNvGrpSpPr/>
+        <p:nvPr/>
+      </p:nvGrpSpPr>
+      <p:grpSpPr>
+        <a:xfrm>
+          <a:off x="0" y="0"/>
+          <a:ext cx="0" cy="0"/>
+          <a:chOff x="0" y="0"/>
+          <a:chExt cx="0" cy="0"/>
+        </a:xfrm>
+      </p:grpSpPr>
+      <p:sp>
+        <p:nvSpPr>
+          <p:cNvPr id="132" name="Shape 132"/>
+          <p:cNvSpPr txBox="1"/>
+          <p:nvPr>
+            <p:ph type="title"/>
+          </p:nvPr>
+        </p:nvSpPr>
+        <p:spPr>
+          <a:xfrm>
+            <a:off x="311700" y="2150850"/>
+            <a:ext cx="8520600" cy="841800"/>
+          </a:xfrm>
+          <a:prstGeom prst="rect">
+            <a:avLst/>
+          </a:prstGeom>
+        </p:spPr>
+        <p:txBody>
+          <a:bodyPr anchorCtr="0" anchor="ctr" bIns="91425" lIns="91425" rIns="91425" tIns="91425">
+            <a:noAutofit/>
+          </a:bodyPr>
+          <a:lstStyle/>
+          <a:p>
+            <a:pPr lvl="0">
+              <a:spcBef>
+                <a:spcPts val="0"/>
+              </a:spcBef>
+              <a:buNone/>
+            </a:pPr>
+            <a:r>
+              <a:rPr lang="en"/>
+              <a:t>Շնորհակալություն</a:t>
+            </a:r>
+          </a:p>
+        </p:txBody>
+      </p:sp>
+    </p:spTree>
+  </p:cSld>
+  <p:clrMapOvr>
+    <a:masterClrMapping/>
+  </p:clrMapOvr>
+  <p:transition spd="slow">
+    <p:fade/>
   </p:transition>
 </p:sld>
 </file>
@@ -5675,7 +5894,7 @@
     <a:masterClrMapping/>
   </p:clrMapOvr>
   <p:transition spd="slow">
-    <p:cut/>
+    <p:fade/>
   </p:transition>
 </p:sld>
 </file>
@@ -5743,7 +5962,7 @@
         </p:nvSpPr>
         <p:spPr>
           <a:xfrm>
-            <a:off x="311700" y="1152475"/>
+            <a:off x="311700" y="1140175"/>
             <a:ext cx="8520600" cy="3416400"/>
           </a:xfrm>
           <a:prstGeom prst="rect">
@@ -5775,7 +5994,7 @@
             </a:pPr>
             <a:r>
               <a:rPr lang="en"/>
-              <a:t>կանխում</a:t>
+              <a:t>կանխման,</a:t>
             </a:r>
           </a:p>
           <a:p>
@@ -5786,7 +6005,19 @@
             </a:pPr>
             <a:r>
               <a:rPr lang="en"/>
-              <a:t>հայտնաբերում</a:t>
+              <a:t>հայտնաբերման</a:t>
+            </a:r>
+          </a:p>
+          <a:p>
+            <a:pPr lvl="0" rtl="0">
+              <a:spcBef>
+                <a:spcPts val="0"/>
+              </a:spcBef>
+              <a:buNone/>
+            </a:pPr>
+            <a:r>
+              <a:rPr lang="en"/>
+              <a:t>պրոցեսն է։</a:t>
             </a:r>
           </a:p>
           <a:p>
@@ -5798,7 +6029,7 @@
             </a:pPr>
             <a:r>
               <a:rPr lang="en"/>
-              <a:t>Կարևորագույն արդի խնդրիներից է</a:t>
+              <a:t>Կարևորագույն արդի խնդրիներից է։</a:t>
             </a:r>
           </a:p>
         </p:txBody>
@@ -5809,7 +6040,7 @@
     <a:masterClrMapping/>
   </p:clrMapOvr>
   <p:transition spd="slow">
-    <p:cut/>
+    <p:fade/>
   </p:transition>
 </p:sld>
 </file>
@@ -5897,7 +6128,7 @@
             </a:pPr>
             <a:r>
               <a:rPr lang="en"/>
-              <a:t>Դրամական եկամուտ</a:t>
+              <a:t>դրամական եկամուտ,</a:t>
             </a:r>
           </a:p>
           <a:p>
@@ -5908,7 +6139,7 @@
             </a:pPr>
             <a:r>
               <a:rPr lang="en"/>
-              <a:t>Բիզնեսի խոչնդոտում</a:t>
+              <a:t>բիզնեսի խոչնդոտում,</a:t>
             </a:r>
           </a:p>
           <a:p>
@@ -5919,7 +6150,7 @@
             </a:pPr>
             <a:r>
               <a:rPr lang="en"/>
-              <a:t>Ինֆորմացիայի գողություն</a:t>
+              <a:t>ինֆորմացիայի գողություն,</a:t>
             </a:r>
           </a:p>
           <a:p>
@@ -5930,7 +6161,7 @@
             </a:pPr>
             <a:r>
               <a:rPr lang="en"/>
-              <a:t>DDoS, հենակետ հետագա գրոհների համար</a:t>
+              <a:t>DDoS, հենակետ հետագա գրոհների համար,</a:t>
             </a:r>
           </a:p>
           <a:p>
@@ -5941,7 +6172,7 @@
             </a:pPr>
             <a:r>
               <a:rPr lang="en"/>
-              <a:t>SEO</a:t>
+              <a:t>SEO,</a:t>
             </a:r>
           </a:p>
           <a:p>
@@ -5952,7 +6183,7 @@
             </a:pPr>
             <a:r>
               <a:rPr lang="en"/>
-              <a:t>Զվարճանք</a:t>
+              <a:t>զվարճանք։</a:t>
             </a:r>
           </a:p>
         </p:txBody>
@@ -5963,7 +6194,7 @@
     <a:masterClrMapping/>
   </p:clrMapOvr>
   <p:transition spd="slow">
-    <p:cut/>
+    <p:fade/>
   </p:transition>
 </p:sld>
 </file>
@@ -6052,7 +6283,7 @@
             </a:pPr>
             <a:r>
               <a:rPr lang="en"/>
-              <a:t>Սերվիսներ</a:t>
+              <a:t>սերվիսներ,</a:t>
             </a:r>
           </a:p>
           <a:p>
@@ -6064,7 +6295,7 @@
             </a:pPr>
             <a:r>
               <a:rPr lang="en"/>
-              <a:t>Հեռակառավարում</a:t>
+              <a:t>հեռակառավարում,</a:t>
             </a:r>
           </a:p>
           <a:p>
@@ -6076,7 +6307,7 @@
             </a:pPr>
             <a:r>
               <a:rPr lang="en"/>
-              <a:t>Օգտագործողներ և արտոնություններ</a:t>
+              <a:t>օգտագործողներ և արտոնություններ,</a:t>
             </a:r>
           </a:p>
           <a:p>
@@ -6088,7 +6319,7 @@
             </a:pPr>
             <a:r>
               <a:rPr lang="en"/>
-              <a:t>Թարմացումներ</a:t>
+              <a:t>թարմացումներ,</a:t>
             </a:r>
           </a:p>
           <a:p>
@@ -6100,7 +6331,7 @@
             </a:pPr>
             <a:r>
               <a:rPr lang="en"/>
-              <a:t>Գրանցամատյանների դիտարկում (logs)</a:t>
+              <a:t>գրանցամատյանների դիտարկում (logs),</a:t>
             </a:r>
           </a:p>
           <a:p>
@@ -6112,7 +6343,7 @@
             </a:pPr>
             <a:r>
               <a:rPr lang="en"/>
-              <a:t>Չօգտագործվող մոդուլներ</a:t>
+              <a:t>չօգտագործվող մոդուլներ,</a:t>
             </a:r>
           </a:p>
           <a:p>
@@ -6124,7 +6355,7 @@
             </a:pPr>
             <a:r>
               <a:rPr lang="en"/>
-              <a:t>Տեղեկացվածություն</a:t>
+              <a:t>տեղեկացվածություն,</a:t>
             </a:r>
           </a:p>
           <a:p>
@@ -6136,7 +6367,7 @@
             </a:pPr>
             <a:r>
               <a:rPr lang="en"/>
-              <a:t>Սկզբնական կոդ</a:t>
+              <a:t>սկզբնական կոդ,</a:t>
             </a:r>
           </a:p>
           <a:p>
@@ -6148,7 +6379,7 @@
             </a:pPr>
             <a:r>
               <a:rPr lang="en"/>
-              <a:t>Ալգորիթմներ</a:t>
+              <a:t>ալգորիթմներ,</a:t>
             </a:r>
           </a:p>
           <a:p>
@@ -6160,7 +6391,7 @@
             </a:pPr>
             <a:r>
               <a:rPr lang="en"/>
-              <a:t>Հակավիրուս</a:t>
+              <a:t>հակավիրուս,</a:t>
             </a:r>
           </a:p>
           <a:p>
@@ -6172,7 +6403,7 @@
             </a:pPr>
             <a:r>
               <a:rPr lang="en"/>
-              <a:t>Ցանցային սկաներներ</a:t>
+              <a:t>ցանցային սկաներներ։</a:t>
             </a:r>
           </a:p>
         </p:txBody>
@@ -6183,7 +6414,7 @@
     <a:masterClrMapping/>
   </p:clrMapOvr>
   <p:transition spd="slow">
-    <p:cut/>
+    <p:fade/>
   </p:transition>
 </p:sld>
 </file>
@@ -6251,7 +6482,7 @@
         </p:nvSpPr>
         <p:spPr>
           <a:xfrm>
-            <a:off x="311700" y="1152475"/>
+            <a:off x="311700" y="1163600"/>
             <a:ext cx="8520600" cy="3693300"/>
           </a:xfrm>
           <a:prstGeom prst="rect">
@@ -6272,7 +6503,7 @@
             </a:pPr>
             <a:r>
               <a:rPr lang="en"/>
-              <a:t>Հայտնաբերում են</a:t>
+              <a:t>Հայտնաբերում են՝</a:t>
             </a:r>
           </a:p>
           <a:p>
@@ -6283,7 +6514,7 @@
             </a:pPr>
             <a:r>
               <a:rPr lang="en"/>
-              <a:t>Բաց պոտեր</a:t>
+              <a:t>բաց պոտեր,</a:t>
             </a:r>
           </a:p>
           <a:p>
@@ -6294,7 +6525,7 @@
             </a:pPr>
             <a:r>
               <a:rPr lang="en"/>
-              <a:t>Սերվիսներ</a:t>
+              <a:t>սերվիսներ,</a:t>
             </a:r>
           </a:p>
           <a:p>
@@ -6305,7 +6536,7 @@
             </a:pPr>
             <a:r>
               <a:rPr lang="en"/>
-              <a:t>Խոցելիություններ</a:t>
+              <a:t>խոցելիություններ,</a:t>
             </a:r>
           </a:p>
           <a:p>
@@ -6316,7 +6547,7 @@
             </a:pPr>
             <a:r>
               <a:rPr lang="en"/>
-              <a:t>Վիրուսներ</a:t>
+              <a:t>վիրուսներ։</a:t>
             </a:r>
           </a:p>
           <a:p>
@@ -6328,7 +6559,7 @@
             </a:pPr>
             <a:r>
               <a:rPr lang="en"/>
-              <a:t>Հայտնի ցանցային սկաներներից են</a:t>
+              <a:t>Հայտնի ցանցային սկաներներից են՝</a:t>
             </a:r>
           </a:p>
           <a:p>
@@ -6339,7 +6570,7 @@
             </a:pPr>
             <a:r>
               <a:rPr lang="en"/>
-              <a:t>Nmap</a:t>
+              <a:t>nmap,</a:t>
             </a:r>
           </a:p>
           <a:p>
@@ -6350,7 +6581,7 @@
             </a:pPr>
             <a:r>
               <a:rPr lang="en"/>
-              <a:t>Nessus</a:t>
+              <a:t>nessus,</a:t>
             </a:r>
           </a:p>
           <a:p>
@@ -6361,7 +6592,7 @@
             </a:pPr>
             <a:r>
               <a:rPr lang="en"/>
-              <a:t>Acunetix</a:t>
+              <a:t>acunetix:</a:t>
             </a:r>
           </a:p>
         </p:txBody>
@@ -6372,7 +6603,7 @@
     <a:masterClrMapping/>
   </p:clrMapOvr>
   <p:transition spd="slow">
-    <p:cut/>
+    <p:fade/>
   </p:transition>
 </p:sld>
 </file>
@@ -6461,7 +6692,7 @@
             </a:pPr>
             <a:r>
               <a:rPr lang="en"/>
-              <a:t>Հասցեների և պորտեի շրջանակի որոշում</a:t>
+              <a:t>հասցեների և պորտեի շրջանակի որոշում,</a:t>
             </a:r>
           </a:p>
           <a:p>
@@ -6473,7 +6704,7 @@
             </a:pPr>
             <a:r>
               <a:rPr lang="en"/>
-              <a:t>Սկանավորման պարամետրերի մուտքագրում</a:t>
+              <a:t>սկանավորման պարամետրերի մուտքագրում,</a:t>
             </a:r>
           </a:p>
           <a:p>
@@ -6485,7 +6716,7 @@
             </a:pPr>
             <a:r>
               <a:rPr lang="en"/>
-              <a:t>Նշված հասցեների և պորտերի փորձարկում</a:t>
+              <a:t>նշված հասցեների և պորտերի փորձարկում,</a:t>
             </a:r>
           </a:p>
           <a:p>
@@ -6497,7 +6728,7 @@
             </a:pPr>
             <a:r>
               <a:rPr lang="en"/>
-              <a:t>Բաց պորտի առկայության դեպքում սերվիսի մասին տվյալների ստացում</a:t>
+              <a:t>բաց պորտի առկայության դեպքում սերվիսի մասին տվյալների ստացում,</a:t>
             </a:r>
           </a:p>
           <a:p>
@@ -6509,7 +6740,7 @@
             </a:pPr>
             <a:r>
               <a:rPr lang="en"/>
-              <a:t>Սկանավորման արդյունքների արտածում</a:t>
+              <a:t>սկանավորման արդյունքների արտածում։</a:t>
             </a:r>
           </a:p>
         </p:txBody>
@@ -6520,7 +6751,7 @@
     <a:masterClrMapping/>
   </p:clrMapOvr>
   <p:transition spd="slow">
-    <p:cut/>
+    <p:fade/>
   </p:transition>
 </p:sld>
 </file>
@@ -6584,7 +6815,7 @@
     <a:masterClrMapping/>
   </p:clrMapOvr>
   <p:transition spd="slow">
-    <p:cut/>
+    <p:fade/>
   </p:transition>
 </p:sld>
 </file>
@@ -6672,7 +6903,7 @@
             </a:pPr>
             <a:r>
               <a:rPr lang="en"/>
-              <a:t>Ժամանակ</a:t>
+              <a:t>ժամանակ,</a:t>
             </a:r>
           </a:p>
           <a:p>
@@ -6683,7 +6914,7 @@
             </a:pPr>
             <a:r>
               <a:rPr lang="en"/>
-              <a:t>Ցանցային ռեսուրսների վատնում, աշխատանքի խոչնդոտում</a:t>
+              <a:t>ցանցային ռեսուրսների վատնում, աշխատանքի խոչնդոտում,</a:t>
             </a:r>
           </a:p>
           <a:p>
@@ -6694,7 +6925,7 @@
             </a:pPr>
             <a:r>
               <a:rPr lang="en"/>
-              <a:t>IDS ահազանգներ</a:t>
+              <a:t>IDS ահազանգներ,</a:t>
             </a:r>
           </a:p>
           <a:p>
@@ -6705,7 +6936,7 @@
             </a:pPr>
             <a:r>
               <a:rPr lang="en"/>
-              <a:t>Ոչ վստահելի արդյունքներ</a:t>
+              <a:t>ոչ վստահելի արդյունքներ,</a:t>
             </a:r>
           </a:p>
           <a:p>
@@ -6716,7 +6947,7 @@
             </a:pPr>
             <a:r>
               <a:rPr lang="en"/>
-              <a:t>Չեն ստուգում՝</a:t>
+              <a:t>չեն ստուգում՝</a:t>
             </a:r>
           </a:p>
           <a:p>
@@ -6727,7 +6958,7 @@
             </a:pPr>
             <a:r>
               <a:rPr lang="en"/>
-              <a:t>Օգտագործողներ և արտոնություններ</a:t>
+              <a:t>օգտագործողներ և արտոնություններ,</a:t>
             </a:r>
           </a:p>
           <a:p>
@@ -6738,7 +6969,7 @@
             </a:pPr>
             <a:r>
               <a:rPr lang="en"/>
-              <a:t>Թարմացումներ</a:t>
+              <a:t>թարմացումներ,</a:t>
             </a:r>
           </a:p>
           <a:p>
@@ -6749,7 +6980,7 @@
             </a:pPr>
             <a:r>
               <a:rPr lang="en"/>
-              <a:t>Ալգորիթմներ</a:t>
+              <a:t>ալգորիթմներ,</a:t>
             </a:r>
           </a:p>
           <a:p>
@@ -6760,7 +6991,7 @@
             </a:pPr>
             <a:r>
               <a:rPr lang="en"/>
-              <a:t>Հակավիրուս</a:t>
+              <a:t>հակավիրուս։</a:t>
             </a:r>
           </a:p>
         </p:txBody>
@@ -6771,12 +7002,291 @@
     <a:masterClrMapping/>
   </p:clrMapOvr>
   <p:transition spd="slow">
-    <p:cut/>
+    <p:fade/>
   </p:transition>
 </p:sld>
 </file>
 
 <file path=ppt/theme/theme1.xml><?xml version="1.0" encoding="utf-8"?>
+<a:theme xmlns:a="http://schemas.openxmlformats.org/drawingml/2006/main" xmlns:r="http://schemas.openxmlformats.org/officeDocument/2006/relationships" name="simple-light-2">
+  <a:themeElements>
+    <a:clrScheme name="Simple Light">
+      <a:dk1>
+        <a:srgbClr val="000000"/>
+      </a:dk1>
+      <a:lt1>
+        <a:srgbClr val="FFFFFF"/>
+      </a:lt1>
+      <a:dk2>
+        <a:srgbClr val="595959"/>
+      </a:dk2>
+      <a:lt2>
+        <a:srgbClr val="EEEEEE"/>
+      </a:lt2>
+      <a:accent1>
+        <a:srgbClr val="FFAB40"/>
+      </a:accent1>
+      <a:accent2>
+        <a:srgbClr val="212121"/>
+      </a:accent2>
+      <a:accent3>
+        <a:srgbClr val="78909C"/>
+      </a:accent3>
+      <a:accent4>
+        <a:srgbClr val="FFAB40"/>
+      </a:accent4>
+      <a:accent5>
+        <a:srgbClr val="0097A7"/>
+      </a:accent5>
+      <a:accent6>
+        <a:srgbClr val="EEFF41"/>
+      </a:accent6>
+      <a:hlink>
+        <a:srgbClr val="0097A7"/>
+      </a:hlink>
+      <a:folHlink>
+        <a:srgbClr val="0097A7"/>
+      </a:folHlink>
+    </a:clrScheme>
+    <a:fontScheme name="Office">
+      <a:majorFont>
+        <a:latin typeface="Arial"/>
+        <a:ea typeface=""/>
+        <a:cs typeface=""/>
+        <a:font script="Jpan" typeface="ＭＳ Ｐゴシック"/>
+        <a:font script="Hang" typeface="맑은 고딕"/>
+        <a:font script="Hans" typeface="宋体"/>
+        <a:font script="Hant" typeface="新細明體"/>
+        <a:font script="Arab" typeface="Times New Roman"/>
+        <a:font script="Hebr" typeface="Times New Roman"/>
+        <a:font script="Thai" typeface="Angsana New"/>
+        <a:font script="Ethi" typeface="Nyala"/>
+        <a:font script="Beng" typeface="Vrinda"/>
+        <a:font script="Gujr" typeface="Shruti"/>
+        <a:font script="Khmr" typeface="MoolBoran"/>
+        <a:font script="Knda" typeface="Tunga"/>
+        <a:font script="Guru" typeface="Raavi"/>
+        <a:font script="Cans" typeface="Euphemia"/>
+        <a:font script="Cher" typeface="Plantagenet Cherokee"/>
+        <a:font script="Yiii" typeface="Microsoft Yi Baiti"/>
+        <a:font script="Tibt" typeface="Microsoft Himalaya"/>
+        <a:font script="Thaa" typeface="MV Boli"/>
+        <a:font script="Deva" typeface="Mangal"/>
+        <a:font script="Telu" typeface="Gautami"/>
+        <a:font script="Taml" typeface="Latha"/>
+        <a:font script="Syrc" typeface="Estrangelo Edessa"/>
+        <a:font script="Orya" typeface="Kalinga"/>
+        <a:font script="Mlym" typeface="Kartika"/>
+        <a:font script="Laoo" typeface="DokChampa"/>
+        <a:font script="Sinh" typeface="Iskoola Pota"/>
+        <a:font script="Mong" typeface="Mongolian Baiti"/>
+        <a:font script="Viet" typeface="Times New Roman"/>
+        <a:font script="Uigh" typeface="Microsoft Uighur"/>
+        <a:font script="Geor" typeface="Sylfaen"/>
+      </a:majorFont>
+      <a:minorFont>
+        <a:latin typeface="Arial"/>
+        <a:ea typeface=""/>
+        <a:cs typeface=""/>
+        <a:font script="Jpan" typeface="ＭＳ Ｐゴシック"/>
+        <a:font script="Hang" typeface="맑은 고딕"/>
+        <a:font script="Hans" typeface="宋体"/>
+        <a:font script="Hant" typeface="新細明體"/>
+        <a:font script="Arab" typeface="Arial"/>
+        <a:font script="Hebr" typeface="Arial"/>
+        <a:font script="Thai" typeface="Cordia New"/>
+        <a:font script="Ethi" typeface="Nyala"/>
+        <a:font script="Beng" typeface="Vrinda"/>
+        <a:font script="Gujr" typeface="Shruti"/>
+        <a:font script="Khmr" typeface="DaunPenh"/>
+        <a:font script="Knda" typeface="Tunga"/>
+        <a:font script="Guru" typeface="Raavi"/>
+        <a:font script="Cans" typeface="Euphemia"/>
+        <a:font script="Cher" typeface="Plantagenet Cherokee"/>
+        <a:font script="Yiii" typeface="Microsoft Yi Baiti"/>
+        <a:font script="Tibt" typeface="Microsoft Himalaya"/>
+        <a:font script="Thaa" typeface="MV Boli"/>
+        <a:font script="Deva" typeface="Mangal"/>
+        <a:font script="Telu" typeface="Gautami"/>
+        <a:font script="Taml" typeface="Latha"/>
+        <a:font script="Syrc" typeface="Estrangelo Edessa"/>
+        <a:font script="Orya" typeface="Kalinga"/>
+        <a:font script="Mlym" typeface="Kartika"/>
+        <a:font script="Laoo" typeface="DokChampa"/>
+        <a:font script="Sinh" typeface="Iskoola Pota"/>
+        <a:font script="Mong" typeface="Mongolian Baiti"/>
+        <a:font script="Viet" typeface="Arial"/>
+        <a:font script="Uigh" typeface="Microsoft Uighur"/>
+        <a:font script="Geor" typeface="Sylfaen"/>
+      </a:minorFont>
+    </a:fontScheme>
+    <a:fmtScheme name="Office">
+      <a:fillStyleLst>
+        <a:solidFill>
+          <a:schemeClr val="phClr"/>
+        </a:solidFill>
+        <a:gradFill rotWithShape="1">
+          <a:gsLst>
+            <a:gs pos="0">
+              <a:schemeClr val="phClr">
+                <a:tint val="50000"/>
+                <a:satMod val="300000"/>
+              </a:schemeClr>
+            </a:gs>
+            <a:gs pos="35000">
+              <a:schemeClr val="phClr">
+                <a:tint val="37000"/>
+                <a:satMod val="300000"/>
+              </a:schemeClr>
+            </a:gs>
+            <a:gs pos="100000">
+              <a:schemeClr val="phClr">
+                <a:tint val="15000"/>
+                <a:satMod val="350000"/>
+              </a:schemeClr>
+            </a:gs>
+          </a:gsLst>
+          <a:lin ang="16200000" scaled="1"/>
+        </a:gradFill>
+        <a:gradFill rotWithShape="1">
+          <a:gsLst>
+            <a:gs pos="0">
+              <a:schemeClr val="phClr">
+                <a:tint val="100000"/>
+                <a:shade val="100000"/>
+                <a:satMod val="130000"/>
+              </a:schemeClr>
+            </a:gs>
+            <a:gs pos="100000">
+              <a:schemeClr val="phClr">
+                <a:tint val="50000"/>
+                <a:shade val="100000"/>
+                <a:satMod val="350000"/>
+              </a:schemeClr>
+            </a:gs>
+          </a:gsLst>
+          <a:lin ang="16200000" scaled="0"/>
+        </a:gradFill>
+      </a:fillStyleLst>
+      <a:lnStyleLst>
+        <a:ln w="9525" cap="flat" cmpd="sng" algn="ctr">
+          <a:solidFill>
+            <a:schemeClr val="phClr">
+              <a:shade val="95000"/>
+              <a:satMod val="105000"/>
+            </a:schemeClr>
+          </a:solidFill>
+          <a:prstDash val="solid"/>
+        </a:ln>
+        <a:ln w="25400" cap="flat" cmpd="sng" algn="ctr">
+          <a:solidFill>
+            <a:schemeClr val="phClr"/>
+          </a:solidFill>
+          <a:prstDash val="solid"/>
+        </a:ln>
+        <a:ln w="38100" cap="flat" cmpd="sng" algn="ctr">
+          <a:solidFill>
+            <a:schemeClr val="phClr"/>
+          </a:solidFill>
+          <a:prstDash val="solid"/>
+        </a:ln>
+      </a:lnStyleLst>
+      <a:effectStyleLst>
+        <a:effectStyle>
+          <a:effectLst>
+            <a:outerShdw blurRad="40000" dist="20000" dir="5400000" rotWithShape="0">
+              <a:srgbClr val="000000">
+                <a:alpha val="38000"/>
+              </a:srgbClr>
+            </a:outerShdw>
+          </a:effectLst>
+        </a:effectStyle>
+        <a:effectStyle>
+          <a:effectLst>
+            <a:outerShdw blurRad="40000" dist="23000" dir="5400000" rotWithShape="0">
+              <a:srgbClr val="000000">
+                <a:alpha val="35000"/>
+              </a:srgbClr>
+            </a:outerShdw>
+          </a:effectLst>
+        </a:effectStyle>
+        <a:effectStyle>
+          <a:effectLst>
+            <a:outerShdw blurRad="40000" dist="23000" dir="5400000" rotWithShape="0">
+              <a:srgbClr val="000000">
+                <a:alpha val="35000"/>
+              </a:srgbClr>
+            </a:outerShdw>
+          </a:effectLst>
+          <a:scene3d>
+            <a:camera prst="orthographicFront">
+              <a:rot lat="0" lon="0" rev="0"/>
+            </a:camera>
+            <a:lightRig rig="threePt" dir="t">
+              <a:rot lat="0" lon="0" rev="1200000"/>
+            </a:lightRig>
+          </a:scene3d>
+          <a:sp3d>
+            <a:bevelT w="63500" h="25400"/>
+          </a:sp3d>
+        </a:effectStyle>
+      </a:effectStyleLst>
+      <a:bgFillStyleLst>
+        <a:solidFill>
+          <a:schemeClr val="phClr"/>
+        </a:solidFill>
+        <a:gradFill rotWithShape="1">
+          <a:gsLst>
+            <a:gs pos="0">
+              <a:schemeClr val="phClr">
+                <a:tint val="40000"/>
+                <a:satMod val="350000"/>
+              </a:schemeClr>
+            </a:gs>
+            <a:gs pos="40000">
+              <a:schemeClr val="phClr">
+                <a:tint val="45000"/>
+                <a:shade val="99000"/>
+                <a:satMod val="350000"/>
+              </a:schemeClr>
+            </a:gs>
+            <a:gs pos="100000">
+              <a:schemeClr val="phClr">
+                <a:shade val="20000"/>
+                <a:satMod val="255000"/>
+              </a:schemeClr>
+            </a:gs>
+          </a:gsLst>
+          <a:path path="circle">
+            <a:fillToRect l="50000" t="-80000" r="50000" b="180000"/>
+          </a:path>
+        </a:gradFill>
+        <a:gradFill rotWithShape="1">
+          <a:gsLst>
+            <a:gs pos="0">
+              <a:schemeClr val="phClr">
+                <a:tint val="80000"/>
+                <a:satMod val="300000"/>
+              </a:schemeClr>
+            </a:gs>
+            <a:gs pos="100000">
+              <a:schemeClr val="phClr">
+                <a:shade val="30000"/>
+                <a:satMod val="200000"/>
+              </a:schemeClr>
+            </a:gs>
+          </a:gsLst>
+          <a:path path="circle">
+            <a:fillToRect l="50000" t="50000" r="50000" b="50000"/>
+          </a:path>
+        </a:gradFill>
+      </a:bgFillStyleLst>
+    </a:fmtScheme>
+  </a:themeElements>
+</a:theme>
+</file>
+
+<file path=ppt/theme/theme2.xml><?xml version="1.0" encoding="utf-8"?>
 <a:theme xmlns:a="http://schemas.openxmlformats.org/drawingml/2006/main" xmlns:r="http://schemas.openxmlformats.org/officeDocument/2006/relationships" name="Custom Theme">
   <a:themeElements>
     <a:clrScheme name="Default">
@@ -7053,283 +7563,4 @@
     </a:fmtScheme>
   </a:themeElements>
 </a:theme>
-</file>
-
-<file path=ppt/theme/theme2.xml><?xml version="1.0" encoding="utf-8"?>
-<a:theme xmlns:a="http://schemas.openxmlformats.org/drawingml/2006/main" xmlns:r="http://schemas.openxmlformats.org/officeDocument/2006/relationships" name="simple-light-2">
-  <a:themeElements>
-    <a:clrScheme name="Simple Light">
-      <a:dk1>
-        <a:srgbClr val="000000"/>
-      </a:dk1>
-      <a:lt1>
-        <a:srgbClr val="FFFFFF"/>
-      </a:lt1>
-      <a:dk2>
-        <a:srgbClr val="595959"/>
-      </a:dk2>
-      <a:lt2>
-        <a:srgbClr val="EEEEEE"/>
-      </a:lt2>
-      <a:accent1>
-        <a:srgbClr val="FFAB40"/>
-      </a:accent1>
-      <a:accent2>
-        <a:srgbClr val="212121"/>
-      </a:accent2>
-      <a:accent3>
-        <a:srgbClr val="78909C"/>
-      </a:accent3>
-      <a:accent4>
-        <a:srgbClr val="FFAB40"/>
-      </a:accent4>
-      <a:accent5>
-        <a:srgbClr val="0097A7"/>
-      </a:accent5>
-      <a:accent6>
-        <a:srgbClr val="EEFF41"/>
-      </a:accent6>
-      <a:hlink>
-        <a:srgbClr val="0097A7"/>
-      </a:hlink>
-      <a:folHlink>
-        <a:srgbClr val="0097A7"/>
-      </a:folHlink>
-    </a:clrScheme>
-    <a:fontScheme name="Office">
-      <a:majorFont>
-        <a:latin typeface="Arial"/>
-        <a:ea typeface=""/>
-        <a:cs typeface=""/>
-        <a:font script="Jpan" typeface="ＭＳ Ｐゴシック"/>
-        <a:font script="Hang" typeface="맑은 고딕"/>
-        <a:font script="Hans" typeface="宋体"/>
-        <a:font script="Hant" typeface="新細明體"/>
-        <a:font script="Arab" typeface="Times New Roman"/>
-        <a:font script="Hebr" typeface="Times New Roman"/>
-        <a:font script="Thai" typeface="Angsana New"/>
-        <a:font script="Ethi" typeface="Nyala"/>
-        <a:font script="Beng" typeface="Vrinda"/>
-        <a:font script="Gujr" typeface="Shruti"/>
-        <a:font script="Khmr" typeface="MoolBoran"/>
-        <a:font script="Knda" typeface="Tunga"/>
-        <a:font script="Guru" typeface="Raavi"/>
-        <a:font script="Cans" typeface="Euphemia"/>
-        <a:font script="Cher" typeface="Plantagenet Cherokee"/>
-        <a:font script="Yiii" typeface="Microsoft Yi Baiti"/>
-        <a:font script="Tibt" typeface="Microsoft Himalaya"/>
-        <a:font script="Thaa" typeface="MV Boli"/>
-        <a:font script="Deva" typeface="Mangal"/>
-        <a:font script="Telu" typeface="Gautami"/>
-        <a:font script="Taml" typeface="Latha"/>
-        <a:font script="Syrc" typeface="Estrangelo Edessa"/>
-        <a:font script="Orya" typeface="Kalinga"/>
-        <a:font script="Mlym" typeface="Kartika"/>
-        <a:font script="Laoo" typeface="DokChampa"/>
-        <a:font script="Sinh" typeface="Iskoola Pota"/>
-        <a:font script="Mong" typeface="Mongolian Baiti"/>
-        <a:font script="Viet" typeface="Times New Roman"/>
-        <a:font script="Uigh" typeface="Microsoft Uighur"/>
-        <a:font script="Geor" typeface="Sylfaen"/>
-      </a:majorFont>
-      <a:minorFont>
-        <a:latin typeface="Arial"/>
-        <a:ea typeface=""/>
-        <a:cs typeface=""/>
-        <a:font script="Jpan" typeface="ＭＳ Ｐゴシック"/>
-        <a:font script="Hang" typeface="맑은 고딕"/>
-        <a:font script="Hans" typeface="宋体"/>
-        <a:font script="Hant" typeface="新細明體"/>
-        <a:font script="Arab" typeface="Arial"/>
-        <a:font script="Hebr" typeface="Arial"/>
-        <a:font script="Thai" typeface="Cordia New"/>
-        <a:font script="Ethi" typeface="Nyala"/>
-        <a:font script="Beng" typeface="Vrinda"/>
-        <a:font script="Gujr" typeface="Shruti"/>
-        <a:font script="Khmr" typeface="DaunPenh"/>
-        <a:font script="Knda" typeface="Tunga"/>
-        <a:font script="Guru" typeface="Raavi"/>
-        <a:font script="Cans" typeface="Euphemia"/>
-        <a:font script="Cher" typeface="Plantagenet Cherokee"/>
-        <a:font script="Yiii" typeface="Microsoft Yi Baiti"/>
-        <a:font script="Tibt" typeface="Microsoft Himalaya"/>
-        <a:font script="Thaa" typeface="MV Boli"/>
-        <a:font script="Deva" typeface="Mangal"/>
-        <a:font script="Telu" typeface="Gautami"/>
-        <a:font script="Taml" typeface="Latha"/>
-        <a:font script="Syrc" typeface="Estrangelo Edessa"/>
-        <a:font script="Orya" typeface="Kalinga"/>
-        <a:font script="Mlym" typeface="Kartika"/>
-        <a:font script="Laoo" typeface="DokChampa"/>
-        <a:font script="Sinh" typeface="Iskoola Pota"/>
-        <a:font script="Mong" typeface="Mongolian Baiti"/>
-        <a:font script="Viet" typeface="Arial"/>
-        <a:font script="Uigh" typeface="Microsoft Uighur"/>
-        <a:font script="Geor" typeface="Sylfaen"/>
-      </a:minorFont>
-    </a:fontScheme>
-    <a:fmtScheme name="Office">
-      <a:fillStyleLst>
-        <a:solidFill>
-          <a:schemeClr val="phClr"/>
-        </a:solidFill>
-        <a:gradFill rotWithShape="1">
-          <a:gsLst>
-            <a:gs pos="0">
-              <a:schemeClr val="phClr">
-                <a:tint val="50000"/>
-                <a:satMod val="300000"/>
-              </a:schemeClr>
-            </a:gs>
-            <a:gs pos="35000">
-              <a:schemeClr val="phClr">
-                <a:tint val="37000"/>
-                <a:satMod val="300000"/>
-              </a:schemeClr>
-            </a:gs>
-            <a:gs pos="100000">
-              <a:schemeClr val="phClr">
-                <a:tint val="15000"/>
-                <a:satMod val="350000"/>
-              </a:schemeClr>
-            </a:gs>
-          </a:gsLst>
-          <a:lin ang="16200000" scaled="1"/>
-        </a:gradFill>
-        <a:gradFill rotWithShape="1">
-          <a:gsLst>
-            <a:gs pos="0">
-              <a:schemeClr val="phClr">
-                <a:tint val="100000"/>
-                <a:shade val="100000"/>
-                <a:satMod val="130000"/>
-              </a:schemeClr>
-            </a:gs>
-            <a:gs pos="100000">
-              <a:schemeClr val="phClr">
-                <a:tint val="50000"/>
-                <a:shade val="100000"/>
-                <a:satMod val="350000"/>
-              </a:schemeClr>
-            </a:gs>
-          </a:gsLst>
-          <a:lin ang="16200000" scaled="0"/>
-        </a:gradFill>
-      </a:fillStyleLst>
-      <a:lnStyleLst>
-        <a:ln w="9525" cap="flat" cmpd="sng" algn="ctr">
-          <a:solidFill>
-            <a:schemeClr val="phClr">
-              <a:shade val="95000"/>
-              <a:satMod val="105000"/>
-            </a:schemeClr>
-          </a:solidFill>
-          <a:prstDash val="solid"/>
-        </a:ln>
-        <a:ln w="25400" cap="flat" cmpd="sng" algn="ctr">
-          <a:solidFill>
-            <a:schemeClr val="phClr"/>
-          </a:solidFill>
-          <a:prstDash val="solid"/>
-        </a:ln>
-        <a:ln w="38100" cap="flat" cmpd="sng" algn="ctr">
-          <a:solidFill>
-            <a:schemeClr val="phClr"/>
-          </a:solidFill>
-          <a:prstDash val="solid"/>
-        </a:ln>
-      </a:lnStyleLst>
-      <a:effectStyleLst>
-        <a:effectStyle>
-          <a:effectLst>
-            <a:outerShdw blurRad="40000" dist="20000" dir="5400000" rotWithShape="0">
-              <a:srgbClr val="000000">
-                <a:alpha val="38000"/>
-              </a:srgbClr>
-            </a:outerShdw>
-          </a:effectLst>
-        </a:effectStyle>
-        <a:effectStyle>
-          <a:effectLst>
-            <a:outerShdw blurRad="40000" dist="23000" dir="5400000" rotWithShape="0">
-              <a:srgbClr val="000000">
-                <a:alpha val="35000"/>
-              </a:srgbClr>
-            </a:outerShdw>
-          </a:effectLst>
-        </a:effectStyle>
-        <a:effectStyle>
-          <a:effectLst>
-            <a:outerShdw blurRad="40000" dist="23000" dir="5400000" rotWithShape="0">
-              <a:srgbClr val="000000">
-                <a:alpha val="35000"/>
-              </a:srgbClr>
-            </a:outerShdw>
-          </a:effectLst>
-          <a:scene3d>
-            <a:camera prst="orthographicFront">
-              <a:rot lat="0" lon="0" rev="0"/>
-            </a:camera>
-            <a:lightRig rig="threePt" dir="t">
-              <a:rot lat="0" lon="0" rev="1200000"/>
-            </a:lightRig>
-          </a:scene3d>
-          <a:sp3d>
-            <a:bevelT w="63500" h="25400"/>
-          </a:sp3d>
-        </a:effectStyle>
-      </a:effectStyleLst>
-      <a:bgFillStyleLst>
-        <a:solidFill>
-          <a:schemeClr val="phClr"/>
-        </a:solidFill>
-        <a:gradFill rotWithShape="1">
-          <a:gsLst>
-            <a:gs pos="0">
-              <a:schemeClr val="phClr">
-                <a:tint val="40000"/>
-                <a:satMod val="350000"/>
-              </a:schemeClr>
-            </a:gs>
-            <a:gs pos="40000">
-              <a:schemeClr val="phClr">
-                <a:tint val="45000"/>
-                <a:shade val="99000"/>
-                <a:satMod val="350000"/>
-              </a:schemeClr>
-            </a:gs>
-            <a:gs pos="100000">
-              <a:schemeClr val="phClr">
-                <a:shade val="20000"/>
-                <a:satMod val="255000"/>
-              </a:schemeClr>
-            </a:gs>
-          </a:gsLst>
-          <a:path path="circle">
-            <a:fillToRect l="50000" t="-80000" r="50000" b="180000"/>
-          </a:path>
-        </a:gradFill>
-        <a:gradFill rotWithShape="1">
-          <a:gsLst>
-            <a:gs pos="0">
-              <a:schemeClr val="phClr">
-                <a:tint val="80000"/>
-                <a:satMod val="300000"/>
-              </a:schemeClr>
-            </a:gs>
-            <a:gs pos="100000">
-              <a:schemeClr val="phClr">
-                <a:shade val="30000"/>
-                <a:satMod val="200000"/>
-              </a:schemeClr>
-            </a:gs>
-          </a:gsLst>
-          <a:path path="circle">
-            <a:fillToRect l="50000" t="50000" r="50000" b="50000"/>
-          </a:path>
-        </a:gradFill>
-      </a:bgFillStyleLst>
-    </a:fmtScheme>
-  </a:themeElements>
-</a:theme>
 </file>
--- a/tex/2016/presentation/presentation.pptx
+++ b/tex/2016/presentation/presentation.pptx
@@ -1,6 +1,6 @@
 
 <file path=ppt/presentation.xml><?xml version="1.0" encoding="utf-8"?>
-<p:presentation xmlns:a="http://schemas.openxmlformats.org/drawingml/2006/main" xmlns:r="http://schemas.openxmlformats.org/officeDocument/2006/relationships" xmlns:mc="http://schemas.openxmlformats.org/markup-compatibility/2006" xmlns:mv="urn:schemas-microsoft-com:mac:vml" xmlns:p="http://schemas.openxmlformats.org/presentationml/2006/main" xmlns:c="http://schemas.openxmlformats.org/drawingml/2006/chart" xmlns:dgm="http://schemas.openxmlformats.org/drawingml/2006/diagram" xmlns:o="urn:schemas-microsoft-com:office:office" xmlns:v="urn:schemas-microsoft-com:vml" xmlns:pvml="urn:schemas-microsoft-com:office:powerpoint" xmlns:com="http://schemas.openxmlformats.org/drawingml/2006/compatibility" xmlns:p14="http://schemas.microsoft.com/office/powerpoint/2010/main" autoCompressPictures="0" strictFirstAndLastChars="0" saveSubsetFonts="1">
+<p:presentation xmlns:a="http://schemas.openxmlformats.org/drawingml/2006/main" xmlns:r="http://schemas.openxmlformats.org/officeDocument/2006/relationships" xmlns:mc="http://schemas.openxmlformats.org/markup-compatibility/2006" xmlns:mv="urn:schemas-microsoft-com:mac:vml" xmlns:p="http://schemas.openxmlformats.org/presentationml/2006/main" xmlns:c="http://schemas.openxmlformats.org/drawingml/2006/chart" xmlns:dgm="http://schemas.openxmlformats.org/drawingml/2006/diagram" xmlns:o="urn:schemas-microsoft-com:office:office" xmlns:v="urn:schemas-microsoft-com:vml" xmlns:pvml="urn:schemas-microsoft-com:office:powerpoint" xmlns:com="http://schemas.openxmlformats.org/drawingml/2006/compatibility" xmlns:p14="http://schemas.microsoft.com/office/powerpoint/2010/main" autoCompressPictures="0" embedTrueTypeFonts="1" strictFirstAndLastChars="0" saveSubsetFonts="1">
   <p:sldMasterIdLst>
     <p:sldMasterId id="2147483659" r:id="rId3"/>
   </p:sldMasterIdLst>
@@ -22,9 +22,21 @@
     <p:sldId id="267" r:id="rId16"/>
     <p:sldId id="268" r:id="rId17"/>
     <p:sldId id="269" r:id="rId18"/>
+    <p:sldId id="270" r:id="rId19"/>
+    <p:sldId id="271" r:id="rId20"/>
+    <p:sldId id="272" r:id="rId21"/>
+    <p:sldId id="273" r:id="rId22"/>
+    <p:sldId id="274" r:id="rId23"/>
+    <p:sldId id="275" r:id="rId24"/>
   </p:sldIdLst>
   <p:sldSz cy="5143500" cx="9144000"/>
   <p:notesSz cx="6858000" cy="9144000"/>
+  <p:embeddedFontLst>
+    <p:embeddedFont>
+      <p:font typeface="Average"/>
+      <p:regular r:id="rId25"/>
+    </p:embeddedFont>
+  </p:embeddedFontLst>
   <p:defaultTextStyle>
     <a:defPPr lvl="0" marR="0" rtl="0" algn="l">
       <a:lnSpc>
@@ -949,12 +961,12 @@
 </p:notes>
 </file>
 
-<file path=ppt/notesSlides/notesSlide2.xml><?xml version="1.0" encoding="utf-8"?>
+<file path=ppt/notesSlides/notesSlide15.xml><?xml version="1.0" encoding="utf-8"?>
 <p:notes xmlns:a="http://schemas.openxmlformats.org/drawingml/2006/main" xmlns:r="http://schemas.openxmlformats.org/officeDocument/2006/relationships" xmlns:mc="http://schemas.openxmlformats.org/markup-compatibility/2006" xmlns:mv="urn:schemas-microsoft-com:mac:vml" xmlns:p="http://schemas.openxmlformats.org/presentationml/2006/main" xmlns:c="http://schemas.openxmlformats.org/drawingml/2006/chart" xmlns:dgm="http://schemas.openxmlformats.org/drawingml/2006/diagram" xmlns:o="urn:schemas-microsoft-com:office:office" xmlns:v="urn:schemas-microsoft-com:vml" xmlns:pvml="urn:schemas-microsoft-com:office:powerpoint" xmlns:com="http://schemas.openxmlformats.org/drawingml/2006/compatibility" xmlns:p14="http://schemas.microsoft.com/office/powerpoint/2010/main" showMasterPhAnim="0" showMasterSp="0">
   <p:cSld>
     <p:spTree>
       <p:nvGrpSpPr>
-        <p:cNvPr id="58" name="Shape 58"/>
+        <p:cNvPr id="134" name="Shape 134"/>
         <p:cNvGrpSpPr/>
         <p:nvPr/>
       </p:nvGrpSpPr>
@@ -968,7 +980,7 @@
       </p:grpSpPr>
       <p:sp>
         <p:nvSpPr>
-          <p:cNvPr id="59" name="Shape 59"/>
+          <p:cNvPr id="135" name="Shape 135"/>
           <p:cNvSpPr/>
           <p:nvPr>
             <p:ph idx="2" type="sldImg"/>
@@ -1002,7 +1014,577 @@
       </p:sp>
       <p:sp>
         <p:nvSpPr>
+          <p:cNvPr id="136" name="Shape 136"/>
+          <p:cNvSpPr txBox="1"/>
+          <p:nvPr>
+            <p:ph idx="1" type="body"/>
+          </p:nvPr>
+        </p:nvSpPr>
+        <p:spPr>
+          <a:xfrm>
+            <a:off x="685800" y="4343400"/>
+            <a:ext cx="5486400" cy="4114800"/>
+          </a:xfrm>
+          <a:prstGeom prst="rect">
+            <a:avLst/>
+          </a:prstGeom>
+        </p:spPr>
+        <p:txBody>
+          <a:bodyPr anchorCtr="0" anchor="t" bIns="91425" lIns="91425" rIns="91425" tIns="91425">
+            <a:noAutofit/>
+          </a:bodyPr>
+          <a:lstStyle/>
+          <a:p>
+            <a:pPr lvl="0">
+              <a:spcBef>
+                <a:spcPts val="0"/>
+              </a:spcBef>
+              <a:buNone/>
+            </a:pPr>
+            <a:r>
+              <a:t/>
+            </a:r>
+            <a:endParaRPr/>
+          </a:p>
+        </p:txBody>
+      </p:sp>
+    </p:spTree>
+  </p:cSld>
+  <p:clrMapOvr>
+    <a:masterClrMapping/>
+  </p:clrMapOvr>
+</p:notes>
+</file>
+
+<file path=ppt/notesSlides/notesSlide16.xml><?xml version="1.0" encoding="utf-8"?>
+<p:notes xmlns:a="http://schemas.openxmlformats.org/drawingml/2006/main" xmlns:r="http://schemas.openxmlformats.org/officeDocument/2006/relationships" xmlns:mc="http://schemas.openxmlformats.org/markup-compatibility/2006" xmlns:mv="urn:schemas-microsoft-com:mac:vml" xmlns:p="http://schemas.openxmlformats.org/presentationml/2006/main" xmlns:c="http://schemas.openxmlformats.org/drawingml/2006/chart" xmlns:dgm="http://schemas.openxmlformats.org/drawingml/2006/diagram" xmlns:o="urn:schemas-microsoft-com:office:office" xmlns:v="urn:schemas-microsoft-com:vml" xmlns:pvml="urn:schemas-microsoft-com:office:powerpoint" xmlns:com="http://schemas.openxmlformats.org/drawingml/2006/compatibility" xmlns:p14="http://schemas.microsoft.com/office/powerpoint/2010/main" showMasterPhAnim="0" showMasterSp="0">
+  <p:cSld>
+    <p:spTree>
+      <p:nvGrpSpPr>
+        <p:cNvPr id="140" name="Shape 140"/>
+        <p:cNvGrpSpPr/>
+        <p:nvPr/>
+      </p:nvGrpSpPr>
+      <p:grpSpPr>
+        <a:xfrm>
+          <a:off x="0" y="0"/>
+          <a:ext cx="0" cy="0"/>
+          <a:chOff x="0" y="0"/>
+          <a:chExt cx="0" cy="0"/>
+        </a:xfrm>
+      </p:grpSpPr>
+      <p:sp>
+        <p:nvSpPr>
+          <p:cNvPr id="141" name="Shape 141"/>
+          <p:cNvSpPr/>
+          <p:nvPr>
+            <p:ph idx="2" type="sldImg"/>
+          </p:nvPr>
+        </p:nvSpPr>
+        <p:spPr>
+          <a:xfrm>
+            <a:off x="381300" y="685800"/>
+            <a:ext cx="6096000" cy="3429000"/>
+          </a:xfrm>
+          <a:custGeom>
+            <a:pathLst>
+              <a:path extrusionOk="0" h="120000" w="120000">
+                <a:moveTo>
+                  <a:pt x="0" y="0"/>
+                </a:moveTo>
+                <a:lnTo>
+                  <a:pt x="120000" y="0"/>
+                </a:lnTo>
+                <a:lnTo>
+                  <a:pt x="120000" y="120000"/>
+                </a:lnTo>
+                <a:lnTo>
+                  <a:pt x="0" y="120000"/>
+                </a:lnTo>
+                <a:close/>
+              </a:path>
+            </a:pathLst>
+          </a:custGeom>
+        </p:spPr>
+      </p:sp>
+      <p:sp>
+        <p:nvSpPr>
+          <p:cNvPr id="142" name="Shape 142"/>
+          <p:cNvSpPr txBox="1"/>
+          <p:nvPr>
+            <p:ph idx="1" type="body"/>
+          </p:nvPr>
+        </p:nvSpPr>
+        <p:spPr>
+          <a:xfrm>
+            <a:off x="685800" y="4343400"/>
+            <a:ext cx="5486400" cy="4114800"/>
+          </a:xfrm>
+          <a:prstGeom prst="rect">
+            <a:avLst/>
+          </a:prstGeom>
+        </p:spPr>
+        <p:txBody>
+          <a:bodyPr anchorCtr="0" anchor="t" bIns="91425" lIns="91425" rIns="91425" tIns="91425">
+            <a:noAutofit/>
+          </a:bodyPr>
+          <a:lstStyle/>
+          <a:p>
+            <a:pPr lvl="0">
+              <a:spcBef>
+                <a:spcPts val="0"/>
+              </a:spcBef>
+              <a:buNone/>
+            </a:pPr>
+            <a:r>
+              <a:t/>
+            </a:r>
+            <a:endParaRPr/>
+          </a:p>
+        </p:txBody>
+      </p:sp>
+    </p:spTree>
+  </p:cSld>
+  <p:clrMapOvr>
+    <a:masterClrMapping/>
+  </p:clrMapOvr>
+</p:notes>
+</file>
+
+<file path=ppt/notesSlides/notesSlide17.xml><?xml version="1.0" encoding="utf-8"?>
+<p:notes xmlns:a="http://schemas.openxmlformats.org/drawingml/2006/main" xmlns:r="http://schemas.openxmlformats.org/officeDocument/2006/relationships" xmlns:mc="http://schemas.openxmlformats.org/markup-compatibility/2006" xmlns:mv="urn:schemas-microsoft-com:mac:vml" xmlns:p="http://schemas.openxmlformats.org/presentationml/2006/main" xmlns:c="http://schemas.openxmlformats.org/drawingml/2006/chart" xmlns:dgm="http://schemas.openxmlformats.org/drawingml/2006/diagram" xmlns:o="urn:schemas-microsoft-com:office:office" xmlns:v="urn:schemas-microsoft-com:vml" xmlns:pvml="urn:schemas-microsoft-com:office:powerpoint" xmlns:com="http://schemas.openxmlformats.org/drawingml/2006/compatibility" xmlns:p14="http://schemas.microsoft.com/office/powerpoint/2010/main" showMasterPhAnim="0" showMasterSp="0">
+  <p:cSld>
+    <p:spTree>
+      <p:nvGrpSpPr>
+        <p:cNvPr id="146" name="Shape 146"/>
+        <p:cNvGrpSpPr/>
+        <p:nvPr/>
+      </p:nvGrpSpPr>
+      <p:grpSpPr>
+        <a:xfrm>
+          <a:off x="0" y="0"/>
+          <a:ext cx="0" cy="0"/>
+          <a:chOff x="0" y="0"/>
+          <a:chExt cx="0" cy="0"/>
+        </a:xfrm>
+      </p:grpSpPr>
+      <p:sp>
+        <p:nvSpPr>
+          <p:cNvPr id="147" name="Shape 147"/>
+          <p:cNvSpPr/>
+          <p:nvPr>
+            <p:ph idx="2" type="sldImg"/>
+          </p:nvPr>
+        </p:nvSpPr>
+        <p:spPr>
+          <a:xfrm>
+            <a:off x="381300" y="685800"/>
+            <a:ext cx="6096000" cy="3429000"/>
+          </a:xfrm>
+          <a:custGeom>
+            <a:pathLst>
+              <a:path extrusionOk="0" h="120000" w="120000">
+                <a:moveTo>
+                  <a:pt x="0" y="0"/>
+                </a:moveTo>
+                <a:lnTo>
+                  <a:pt x="120000" y="0"/>
+                </a:lnTo>
+                <a:lnTo>
+                  <a:pt x="120000" y="120000"/>
+                </a:lnTo>
+                <a:lnTo>
+                  <a:pt x="0" y="120000"/>
+                </a:lnTo>
+                <a:close/>
+              </a:path>
+            </a:pathLst>
+          </a:custGeom>
+        </p:spPr>
+      </p:sp>
+      <p:sp>
+        <p:nvSpPr>
+          <p:cNvPr id="148" name="Shape 148"/>
+          <p:cNvSpPr txBox="1"/>
+          <p:nvPr>
+            <p:ph idx="1" type="body"/>
+          </p:nvPr>
+        </p:nvSpPr>
+        <p:spPr>
+          <a:xfrm>
+            <a:off x="685800" y="4343400"/>
+            <a:ext cx="5486400" cy="4114800"/>
+          </a:xfrm>
+          <a:prstGeom prst="rect">
+            <a:avLst/>
+          </a:prstGeom>
+        </p:spPr>
+        <p:txBody>
+          <a:bodyPr anchorCtr="0" anchor="t" bIns="91425" lIns="91425" rIns="91425" tIns="91425">
+            <a:noAutofit/>
+          </a:bodyPr>
+          <a:lstStyle/>
+          <a:p>
+            <a:pPr lvl="0">
+              <a:spcBef>
+                <a:spcPts val="0"/>
+              </a:spcBef>
+              <a:buNone/>
+            </a:pPr>
+            <a:r>
+              <a:t/>
+            </a:r>
+            <a:endParaRPr/>
+          </a:p>
+        </p:txBody>
+      </p:sp>
+    </p:spTree>
+  </p:cSld>
+  <p:clrMapOvr>
+    <a:masterClrMapping/>
+  </p:clrMapOvr>
+</p:notes>
+</file>
+
+<file path=ppt/notesSlides/notesSlide18.xml><?xml version="1.0" encoding="utf-8"?>
+<p:notes xmlns:a="http://schemas.openxmlformats.org/drawingml/2006/main" xmlns:r="http://schemas.openxmlformats.org/officeDocument/2006/relationships" xmlns:mc="http://schemas.openxmlformats.org/markup-compatibility/2006" xmlns:mv="urn:schemas-microsoft-com:mac:vml" xmlns:p="http://schemas.openxmlformats.org/presentationml/2006/main" xmlns:c="http://schemas.openxmlformats.org/drawingml/2006/chart" xmlns:dgm="http://schemas.openxmlformats.org/drawingml/2006/diagram" xmlns:o="urn:schemas-microsoft-com:office:office" xmlns:v="urn:schemas-microsoft-com:vml" xmlns:pvml="urn:schemas-microsoft-com:office:powerpoint" xmlns:com="http://schemas.openxmlformats.org/drawingml/2006/compatibility" xmlns:p14="http://schemas.microsoft.com/office/powerpoint/2010/main" showMasterPhAnim="0" showMasterSp="0">
+  <p:cSld>
+    <p:spTree>
+      <p:nvGrpSpPr>
+        <p:cNvPr id="152" name="Shape 152"/>
+        <p:cNvGrpSpPr/>
+        <p:nvPr/>
+      </p:nvGrpSpPr>
+      <p:grpSpPr>
+        <a:xfrm>
+          <a:off x="0" y="0"/>
+          <a:ext cx="0" cy="0"/>
+          <a:chOff x="0" y="0"/>
+          <a:chExt cx="0" cy="0"/>
+        </a:xfrm>
+      </p:grpSpPr>
+      <p:sp>
+        <p:nvSpPr>
+          <p:cNvPr id="153" name="Shape 153"/>
+          <p:cNvSpPr/>
+          <p:nvPr>
+            <p:ph idx="2" type="sldImg"/>
+          </p:nvPr>
+        </p:nvSpPr>
+        <p:spPr>
+          <a:xfrm>
+            <a:off x="381300" y="685800"/>
+            <a:ext cx="6096000" cy="3429000"/>
+          </a:xfrm>
+          <a:custGeom>
+            <a:pathLst>
+              <a:path extrusionOk="0" h="120000" w="120000">
+                <a:moveTo>
+                  <a:pt x="0" y="0"/>
+                </a:moveTo>
+                <a:lnTo>
+                  <a:pt x="120000" y="0"/>
+                </a:lnTo>
+                <a:lnTo>
+                  <a:pt x="120000" y="120000"/>
+                </a:lnTo>
+                <a:lnTo>
+                  <a:pt x="0" y="120000"/>
+                </a:lnTo>
+                <a:close/>
+              </a:path>
+            </a:pathLst>
+          </a:custGeom>
+        </p:spPr>
+      </p:sp>
+      <p:sp>
+        <p:nvSpPr>
+          <p:cNvPr id="154" name="Shape 154"/>
+          <p:cNvSpPr txBox="1"/>
+          <p:nvPr>
+            <p:ph idx="1" type="body"/>
+          </p:nvPr>
+        </p:nvSpPr>
+        <p:spPr>
+          <a:xfrm>
+            <a:off x="685800" y="4343400"/>
+            <a:ext cx="5486400" cy="4114800"/>
+          </a:xfrm>
+          <a:prstGeom prst="rect">
+            <a:avLst/>
+          </a:prstGeom>
+        </p:spPr>
+        <p:txBody>
+          <a:bodyPr anchorCtr="0" anchor="t" bIns="91425" lIns="91425" rIns="91425" tIns="91425">
+            <a:noAutofit/>
+          </a:bodyPr>
+          <a:lstStyle/>
+          <a:p>
+            <a:pPr lvl="0">
+              <a:spcBef>
+                <a:spcPts val="0"/>
+              </a:spcBef>
+              <a:buNone/>
+            </a:pPr>
+            <a:r>
+              <a:t/>
+            </a:r>
+            <a:endParaRPr/>
+          </a:p>
+        </p:txBody>
+      </p:sp>
+    </p:spTree>
+  </p:cSld>
+  <p:clrMapOvr>
+    <a:masterClrMapping/>
+  </p:clrMapOvr>
+</p:notes>
+</file>
+
+<file path=ppt/notesSlides/notesSlide19.xml><?xml version="1.0" encoding="utf-8"?>
+<p:notes xmlns:a="http://schemas.openxmlformats.org/drawingml/2006/main" xmlns:r="http://schemas.openxmlformats.org/officeDocument/2006/relationships" xmlns:mc="http://schemas.openxmlformats.org/markup-compatibility/2006" xmlns:mv="urn:schemas-microsoft-com:mac:vml" xmlns:p="http://schemas.openxmlformats.org/presentationml/2006/main" xmlns:c="http://schemas.openxmlformats.org/drawingml/2006/chart" xmlns:dgm="http://schemas.openxmlformats.org/drawingml/2006/diagram" xmlns:o="urn:schemas-microsoft-com:office:office" xmlns:v="urn:schemas-microsoft-com:vml" xmlns:pvml="urn:schemas-microsoft-com:office:powerpoint" xmlns:com="http://schemas.openxmlformats.org/drawingml/2006/compatibility" xmlns:p14="http://schemas.microsoft.com/office/powerpoint/2010/main" showMasterPhAnim="0" showMasterSp="0">
+  <p:cSld>
+    <p:spTree>
+      <p:nvGrpSpPr>
+        <p:cNvPr id="159" name="Shape 159"/>
+        <p:cNvGrpSpPr/>
+        <p:nvPr/>
+      </p:nvGrpSpPr>
+      <p:grpSpPr>
+        <a:xfrm>
+          <a:off x="0" y="0"/>
+          <a:ext cx="0" cy="0"/>
+          <a:chOff x="0" y="0"/>
+          <a:chExt cx="0" cy="0"/>
+        </a:xfrm>
+      </p:grpSpPr>
+      <p:sp>
+        <p:nvSpPr>
+          <p:cNvPr id="160" name="Shape 160"/>
+          <p:cNvSpPr/>
+          <p:nvPr>
+            <p:ph idx="2" type="sldImg"/>
+          </p:nvPr>
+        </p:nvSpPr>
+        <p:spPr>
+          <a:xfrm>
+            <a:off x="381300" y="685800"/>
+            <a:ext cx="6096000" cy="3429000"/>
+          </a:xfrm>
+          <a:custGeom>
+            <a:pathLst>
+              <a:path extrusionOk="0" h="120000" w="120000">
+                <a:moveTo>
+                  <a:pt x="0" y="0"/>
+                </a:moveTo>
+                <a:lnTo>
+                  <a:pt x="120000" y="0"/>
+                </a:lnTo>
+                <a:lnTo>
+                  <a:pt x="120000" y="120000"/>
+                </a:lnTo>
+                <a:lnTo>
+                  <a:pt x="0" y="120000"/>
+                </a:lnTo>
+                <a:close/>
+              </a:path>
+            </a:pathLst>
+          </a:custGeom>
+        </p:spPr>
+      </p:sp>
+      <p:sp>
+        <p:nvSpPr>
+          <p:cNvPr id="161" name="Shape 161"/>
+          <p:cNvSpPr txBox="1"/>
+          <p:nvPr>
+            <p:ph idx="1" type="body"/>
+          </p:nvPr>
+        </p:nvSpPr>
+        <p:spPr>
+          <a:xfrm>
+            <a:off x="685800" y="4343400"/>
+            <a:ext cx="5486400" cy="4114800"/>
+          </a:xfrm>
+          <a:prstGeom prst="rect">
+            <a:avLst/>
+          </a:prstGeom>
+        </p:spPr>
+        <p:txBody>
+          <a:bodyPr anchorCtr="0" anchor="t" bIns="91425" lIns="91425" rIns="91425" tIns="91425">
+            <a:noAutofit/>
+          </a:bodyPr>
+          <a:lstStyle/>
+          <a:p>
+            <a:pPr lvl="0">
+              <a:spcBef>
+                <a:spcPts val="0"/>
+              </a:spcBef>
+              <a:buNone/>
+            </a:pPr>
+            <a:r>
+              <a:t/>
+            </a:r>
+            <a:endParaRPr/>
+          </a:p>
+        </p:txBody>
+      </p:sp>
+    </p:spTree>
+  </p:cSld>
+  <p:clrMapOvr>
+    <a:masterClrMapping/>
+  </p:clrMapOvr>
+</p:notes>
+</file>
+
+<file path=ppt/notesSlides/notesSlide2.xml><?xml version="1.0" encoding="utf-8"?>
+<p:notes xmlns:a="http://schemas.openxmlformats.org/drawingml/2006/main" xmlns:r="http://schemas.openxmlformats.org/officeDocument/2006/relationships" xmlns:mc="http://schemas.openxmlformats.org/markup-compatibility/2006" xmlns:mv="urn:schemas-microsoft-com:mac:vml" xmlns:p="http://schemas.openxmlformats.org/presentationml/2006/main" xmlns:c="http://schemas.openxmlformats.org/drawingml/2006/chart" xmlns:dgm="http://schemas.openxmlformats.org/drawingml/2006/diagram" xmlns:o="urn:schemas-microsoft-com:office:office" xmlns:v="urn:schemas-microsoft-com:vml" xmlns:pvml="urn:schemas-microsoft-com:office:powerpoint" xmlns:com="http://schemas.openxmlformats.org/drawingml/2006/compatibility" xmlns:p14="http://schemas.microsoft.com/office/powerpoint/2010/main" showMasterPhAnim="0" showMasterSp="0">
+  <p:cSld>
+    <p:spTree>
+      <p:nvGrpSpPr>
+        <p:cNvPr id="58" name="Shape 58"/>
+        <p:cNvGrpSpPr/>
+        <p:nvPr/>
+      </p:nvGrpSpPr>
+      <p:grpSpPr>
+        <a:xfrm>
+          <a:off x="0" y="0"/>
+          <a:ext cx="0" cy="0"/>
+          <a:chOff x="0" y="0"/>
+          <a:chExt cx="0" cy="0"/>
+        </a:xfrm>
+      </p:grpSpPr>
+      <p:sp>
+        <p:nvSpPr>
+          <p:cNvPr id="59" name="Shape 59"/>
+          <p:cNvSpPr/>
+          <p:nvPr>
+            <p:ph idx="2" type="sldImg"/>
+          </p:nvPr>
+        </p:nvSpPr>
+        <p:spPr>
+          <a:xfrm>
+            <a:off x="381300" y="685800"/>
+            <a:ext cx="6096000" cy="3429000"/>
+          </a:xfrm>
+          <a:custGeom>
+            <a:pathLst>
+              <a:path extrusionOk="0" h="120000" w="120000">
+                <a:moveTo>
+                  <a:pt x="0" y="0"/>
+                </a:moveTo>
+                <a:lnTo>
+                  <a:pt x="120000" y="0"/>
+                </a:lnTo>
+                <a:lnTo>
+                  <a:pt x="120000" y="120000"/>
+                </a:lnTo>
+                <a:lnTo>
+                  <a:pt x="0" y="120000"/>
+                </a:lnTo>
+                <a:close/>
+              </a:path>
+            </a:pathLst>
+          </a:custGeom>
+        </p:spPr>
+      </p:sp>
+      <p:sp>
+        <p:nvSpPr>
           <p:cNvPr id="60" name="Shape 60"/>
+          <p:cNvSpPr txBox="1"/>
+          <p:nvPr>
+            <p:ph idx="1" type="body"/>
+          </p:nvPr>
+        </p:nvSpPr>
+        <p:spPr>
+          <a:xfrm>
+            <a:off x="685800" y="4343400"/>
+            <a:ext cx="5486400" cy="4114800"/>
+          </a:xfrm>
+          <a:prstGeom prst="rect">
+            <a:avLst/>
+          </a:prstGeom>
+        </p:spPr>
+        <p:txBody>
+          <a:bodyPr anchorCtr="0" anchor="t" bIns="91425" lIns="91425" rIns="91425" tIns="91425">
+            <a:noAutofit/>
+          </a:bodyPr>
+          <a:lstStyle/>
+          <a:p>
+            <a:pPr lvl="0">
+              <a:spcBef>
+                <a:spcPts val="0"/>
+              </a:spcBef>
+              <a:buNone/>
+            </a:pPr>
+            <a:r>
+              <a:t/>
+            </a:r>
+            <a:endParaRPr/>
+          </a:p>
+        </p:txBody>
+      </p:sp>
+    </p:spTree>
+  </p:cSld>
+  <p:clrMapOvr>
+    <a:masterClrMapping/>
+  </p:clrMapOvr>
+</p:notes>
+</file>
+
+<file path=ppt/notesSlides/notesSlide20.xml><?xml version="1.0" encoding="utf-8"?>
+<p:notes xmlns:a="http://schemas.openxmlformats.org/drawingml/2006/main" xmlns:r="http://schemas.openxmlformats.org/officeDocument/2006/relationships" xmlns:mc="http://schemas.openxmlformats.org/markup-compatibility/2006" xmlns:mv="urn:schemas-microsoft-com:mac:vml" xmlns:p="http://schemas.openxmlformats.org/presentationml/2006/main" xmlns:c="http://schemas.openxmlformats.org/drawingml/2006/chart" xmlns:dgm="http://schemas.openxmlformats.org/drawingml/2006/diagram" xmlns:o="urn:schemas-microsoft-com:office:office" xmlns:v="urn:schemas-microsoft-com:vml" xmlns:pvml="urn:schemas-microsoft-com:office:powerpoint" xmlns:com="http://schemas.openxmlformats.org/drawingml/2006/compatibility" xmlns:p14="http://schemas.microsoft.com/office/powerpoint/2010/main" showMasterPhAnim="0" showMasterSp="0">
+  <p:cSld>
+    <p:spTree>
+      <p:nvGrpSpPr>
+        <p:cNvPr id="165" name="Shape 165"/>
+        <p:cNvGrpSpPr/>
+        <p:nvPr/>
+      </p:nvGrpSpPr>
+      <p:grpSpPr>
+        <a:xfrm>
+          <a:off x="0" y="0"/>
+          <a:ext cx="0" cy="0"/>
+          <a:chOff x="0" y="0"/>
+          <a:chExt cx="0" cy="0"/>
+        </a:xfrm>
+      </p:grpSpPr>
+      <p:sp>
+        <p:nvSpPr>
+          <p:cNvPr id="166" name="Shape 166"/>
+          <p:cNvSpPr/>
+          <p:nvPr>
+            <p:ph idx="2" type="sldImg"/>
+          </p:nvPr>
+        </p:nvSpPr>
+        <p:spPr>
+          <a:xfrm>
+            <a:off x="381300" y="685800"/>
+            <a:ext cx="6096000" cy="3429000"/>
+          </a:xfrm>
+          <a:custGeom>
+            <a:pathLst>
+              <a:path extrusionOk="0" h="120000" w="120000">
+                <a:moveTo>
+                  <a:pt x="0" y="0"/>
+                </a:moveTo>
+                <a:lnTo>
+                  <a:pt x="120000" y="0"/>
+                </a:lnTo>
+                <a:lnTo>
+                  <a:pt x="120000" y="120000"/>
+                </a:lnTo>
+                <a:lnTo>
+                  <a:pt x="0" y="120000"/>
+                </a:lnTo>
+                <a:close/>
+              </a:path>
+            </a:pathLst>
+          </a:custGeom>
+        </p:spPr>
+      </p:sp>
+      <p:sp>
+        <p:nvSpPr>
+          <p:cNvPr id="167" name="Shape 167"/>
           <p:cNvSpPr txBox="1"/>
           <p:nvPr>
             <p:ph idx="1" type="body"/>
@@ -4988,7 +5570,7 @@
             </a:pPr>
             <a:r>
               <a:rPr lang="en" sz="2000"/>
-              <a:t>Գիտական ղեկավար՝  ֆիզ․֊մաթ․ գիտ․ դոկտոր, պրոֆեսոր Մարիամ Հարությունյան</a:t>
+              <a:t>Գիտական ղեկավար՝  ֆիզ․-մաթ․ գիտ․ դոկտոր, պրոֆեսոր Մարիամ Հարությունյան</a:t>
             </a:r>
           </a:p>
           <a:p>
@@ -5217,81 +5799,15 @@
             </a:r>
           </a:p>
           <a:p>
-            <a:pPr lvl="0">
-              <a:spcBef>
-                <a:spcPts val="0"/>
-              </a:spcBef>
-              <a:buNone/>
-            </a:pPr>
-            <a:r>
-              <a:rPr lang="en"/>
-              <a:t>Հնարավոր է ստուգումների առավել լայն շրջանակ՝</a:t>
-            </a:r>
-          </a:p>
-          <a:p>
-            <a:pPr indent="-228600" lvl="0" marL="457200">
-              <a:spcBef>
-                <a:spcPts val="0"/>
-              </a:spcBef>
-            </a:pPr>
-            <a:r>
-              <a:rPr lang="en"/>
-              <a:t>թարմացումների առկայության ստուգում (APT, YUM, Pacman),</a:t>
-            </a:r>
-          </a:p>
-          <a:p>
-            <a:pPr indent="-228600" lvl="0" marL="457200">
-              <a:spcBef>
-                <a:spcPts val="0"/>
-              </a:spcBef>
-            </a:pPr>
-            <a:r>
-              <a:rPr lang="en"/>
-              <a:t>ֆայլերի և դիրեկտորիաների թույլտվություններ,</a:t>
-            </a:r>
-          </a:p>
-          <a:p>
-            <a:pPr indent="-228600" lvl="0" marL="457200">
-              <a:spcBef>
-                <a:spcPts val="0"/>
-              </a:spcBef>
-            </a:pPr>
-            <a:r>
-              <a:rPr lang="en"/>
-              <a:t>բաց պորտեր,</a:t>
-            </a:r>
-          </a:p>
-          <a:p>
-            <a:pPr indent="-228600" lvl="0" marL="457200">
-              <a:spcBef>
-                <a:spcPts val="0"/>
-              </a:spcBef>
-            </a:pPr>
-            <a:r>
-              <a:rPr lang="en"/>
-              <a:t>root օգտագործող,</a:t>
-            </a:r>
-          </a:p>
-          <a:p>
-            <a:pPr indent="-228600" lvl="0" marL="457200">
-              <a:spcBef>
-                <a:spcPts val="0"/>
-              </a:spcBef>
-            </a:pPr>
-            <a:r>
-              <a:rPr lang="en"/>
-              <a:t>umask,</a:t>
-            </a:r>
-          </a:p>
-          <a:p>
-            <a:pPr indent="-228600" lvl="0" marL="457200" rtl="0">
-              <a:spcBef>
-                <a:spcPts val="0"/>
-              </a:spcBef>
-            </a:pPr>
-            <a:r>
-              <a:rPr lang="en"/>
-              <a:t>SSHd:</a:t>
+            <a:pPr lvl="0" rtl="0">
+              <a:spcBef>
+                <a:spcPts val="0"/>
+              </a:spcBef>
+              <a:buNone/>
+            </a:pPr>
+            <a:r>
+              <a:rPr lang="en"/>
+              <a:t>Հնարավոր է ստուգումների առավել լայն շրջանակ:</a:t>
             </a:r>
           </a:p>
         </p:txBody>
@@ -5498,7 +6014,7 @@
             </a:pPr>
             <a:r>
               <a:rPr lang="en"/>
-              <a:t>Այլընտրանքի իրականացումը</a:t>
+              <a:t>Թարմացումների առկայության ստուգում</a:t>
             </a:r>
           </a:p>
         </p:txBody>
@@ -5533,32 +6049,16 @@
             </a:pPr>
             <a:r>
               <a:rPr lang="en"/>
-              <a:t>իրականացված է Python լեզվով,</a:t>
-            </a:r>
-          </a:p>
-          <a:p>
-            <a:pPr indent="-228600" lvl="0" marL="457200" rtl="0">
-              <a:spcBef>
-                <a:spcPts val="0"/>
-              </a:spcBef>
-            </a:pPr>
-            <a:r>
-              <a:rPr lang="en"/>
-              <a:t>սկզբնական կոդը հասանելի է </a:t>
-            </a:r>
-            <a:r>
-              <a:rPr lang="en" u="sng">
-                <a:solidFill>
-                  <a:schemeClr val="hlink"/>
-                </a:solidFill>
-                <a:latin typeface="Courier New"/>
-                <a:ea typeface="Courier New"/>
-                <a:cs typeface="Courier New"/>
-                <a:sym typeface="Courier New"/>
-                <a:hlinkClick r:id="rId3"/>
-              </a:rPr>
-              <a:t>https://github.com/axper/lmap</a:t>
-            </a:r>
+              <a:t>APT - Debian, Ubuntu</a:t>
+            </a:r>
+          </a:p>
+          <a:p>
+            <a:pPr indent="0" lvl="0" marL="457200" rtl="0">
+              <a:spcBef>
+                <a:spcPts val="0"/>
+              </a:spcBef>
+              <a:buNone/>
+            </a:pPr>
             <a:r>
               <a:rPr lang="en">
                 <a:latin typeface="Courier New"/>
@@ -5566,7 +6066,35 @@
                 <a:cs typeface="Courier New"/>
                 <a:sym typeface="Courier New"/>
               </a:rPr>
-              <a:t> հասցեով։</a:t>
+              <a:t>/var/lib/apt/periodic/update-success-stamp</a:t>
+            </a:r>
+          </a:p>
+          <a:p>
+            <a:pPr indent="-228600" lvl="0" marL="457200" rtl="0">
+              <a:spcBef>
+                <a:spcPts val="0"/>
+              </a:spcBef>
+            </a:pPr>
+            <a:r>
+              <a:rPr lang="en"/>
+              <a:t>Pacman - Arch Linux</a:t>
+            </a:r>
+          </a:p>
+          <a:p>
+            <a:pPr indent="0" lvl="0" marL="457200">
+              <a:spcBef>
+                <a:spcPts val="0"/>
+              </a:spcBef>
+              <a:buNone/>
+            </a:pPr>
+            <a:r>
+              <a:rPr lang="en">
+                <a:latin typeface="Courier New"/>
+                <a:ea typeface="Courier New"/>
+                <a:cs typeface="Courier New"/>
+                <a:sym typeface="Courier New"/>
+              </a:rPr>
+              <a:t>/var/log/pacman.log</a:t>
             </a:r>
           </a:p>
         </p:txBody>
@@ -5630,7 +6158,7 @@
             </a:pPr>
             <a:r>
               <a:rPr lang="en"/>
-              <a:t>Եզրակացություն</a:t>
+              <a:t>Ֆայլեր և դիրեկտորիաներ</a:t>
             </a:r>
           </a:p>
         </p:txBody>
@@ -5658,18 +6186,6 @@
           </a:bodyPr>
           <a:lstStyle/>
           <a:p>
-            <a:pPr lvl="0">
-              <a:spcBef>
-                <a:spcPts val="0"/>
-              </a:spcBef>
-              <a:buNone/>
-            </a:pPr>
-            <a:r>
-              <a:rPr lang="en"/>
-              <a:t>Իրականացված աշխատանքի առավելությունները ցանցային սկաներների նկատմամբ՝</a:t>
-            </a:r>
-          </a:p>
-          <a:p>
             <a:pPr indent="-228600" lvl="0" marL="457200" rtl="0">
               <a:spcBef>
                 <a:spcPts val="0"/>
@@ -5677,7 +6193,7 @@
             </a:pPr>
             <a:r>
               <a:rPr lang="en"/>
-              <a:t>արագագործություն,</a:t>
+              <a:t>world writable ֆայլեր որոնք սկսվում են կետով,</a:t>
             </a:r>
           </a:p>
           <a:p>
@@ -5688,63 +6204,7 @@
             </a:pPr>
             <a:r>
               <a:rPr lang="en"/>
-              <a:t>հուսալիություն,</a:t>
-            </a:r>
-          </a:p>
-          <a:p>
-            <a:pPr indent="-228600" lvl="0" marL="457200" rtl="0">
-              <a:spcBef>
-                <a:spcPts val="0"/>
-              </a:spcBef>
-            </a:pPr>
-            <a:r>
-              <a:rPr lang="en"/>
-              <a:t>միանշանակ արդյունքներ,</a:t>
-            </a:r>
-          </a:p>
-          <a:p>
-            <a:pPr indent="-228600" lvl="0" marL="457200" rtl="0">
-              <a:spcBef>
-                <a:spcPts val="0"/>
-              </a:spcBef>
-            </a:pPr>
-            <a:r>
-              <a:rPr lang="en"/>
-              <a:t>հնարավոր առավել բազմազան ստուգումներ։</a:t>
-            </a:r>
-          </a:p>
-          <a:p>
-            <a:pPr lvl="0" rtl="0">
-              <a:spcBef>
-                <a:spcPts val="0"/>
-              </a:spcBef>
-              <a:buNone/>
-            </a:pPr>
-            <a:r>
-              <a:rPr lang="en"/>
-              <a:t>Անհրաժեշտ է՝</a:t>
-            </a:r>
-          </a:p>
-          <a:p>
-            <a:pPr indent="-228600" lvl="0" marL="457200" rtl="0">
-              <a:spcBef>
-                <a:spcPts val="0"/>
-              </a:spcBef>
-            </a:pPr>
-            <a:r>
-              <a:rPr lang="en"/>
-              <a:t>հետագա երկարատև մշակում և կատարելագործում,</a:t>
-            </a:r>
-          </a:p>
-          <a:p>
-            <a:pPr indent="-228600" lvl="0" marL="457200" rtl="0">
-              <a:spcBef>
-                <a:spcPts val="0"/>
-              </a:spcBef>
-            </a:pPr>
-            <a:r>
-              <a:rPr lang="en"/>
-              <a:t>հասանելիություն ներսից,</a:t>
+              <a:t>world writable դիրեկտորիաներ որոնք չունեն sticky bit,</a:t>
             </a:r>
           </a:p>
           <a:p>
@@ -5755,7 +6215,7 @@
             </a:pPr>
             <a:r>
               <a:rPr lang="en"/>
-              <a:t>վստահություն ադմինիստրատորների կողմից։</a:t>
+              <a:t>world writable ֆայլեր որոնք պատկանում են համակարգային օգտագործողին։</a:t>
             </a:r>
           </a:p>
         </p:txBody>
@@ -5798,15 +6258,15 @@
         </p:nvSpPr>
         <p:spPr>
           <a:xfrm>
-            <a:off x="311700" y="2150850"/>
-            <a:ext cx="8520600" cy="841800"/>
-          </a:xfrm>
-          <a:prstGeom prst="rect">
-            <a:avLst/>
-          </a:prstGeom>
-        </p:spPr>
-        <p:txBody>
-          <a:bodyPr anchorCtr="0" anchor="ctr" bIns="91425" lIns="91425" rIns="91425" tIns="91425">
+            <a:off x="311700" y="445025"/>
+            <a:ext cx="8520600" cy="572700"/>
+          </a:xfrm>
+          <a:prstGeom prst="rect">
+            <a:avLst/>
+          </a:prstGeom>
+        </p:spPr>
+        <p:txBody>
+          <a:bodyPr anchorCtr="0" anchor="t" bIns="91425" lIns="91425" rIns="91425" tIns="91425">
             <a:noAutofit/>
           </a:bodyPr>
           <a:lstStyle/>
@@ -5819,7 +6279,764 @@
             </a:pPr>
             <a:r>
               <a:rPr lang="en"/>
-              <a:t>Շնորհակալություն</a:t>
+              <a:t>Բաց պորտեր</a:t>
+            </a:r>
+          </a:p>
+        </p:txBody>
+      </p:sp>
+      <p:sp>
+        <p:nvSpPr>
+          <p:cNvPr id="133" name="Shape 133"/>
+          <p:cNvSpPr txBox="1"/>
+          <p:nvPr>
+            <p:ph idx="1" type="body"/>
+          </p:nvPr>
+        </p:nvSpPr>
+        <p:spPr>
+          <a:xfrm>
+            <a:off x="311700" y="1152475"/>
+            <a:ext cx="8520600" cy="3416400"/>
+          </a:xfrm>
+          <a:prstGeom prst="rect">
+            <a:avLst/>
+          </a:prstGeom>
+        </p:spPr>
+        <p:txBody>
+          <a:bodyPr anchorCtr="0" anchor="t" bIns="91425" lIns="91425" rIns="91425" tIns="91425">
+            <a:noAutofit/>
+          </a:bodyPr>
+          <a:lstStyle/>
+          <a:p>
+            <a:pPr indent="-228600" lvl="0" marL="457200" rtl="0">
+              <a:spcBef>
+                <a:spcPts val="0"/>
+              </a:spcBef>
+            </a:pPr>
+            <a:r>
+              <a:rPr lang="en"/>
+              <a:t>օգտագործվել է psutil գրադարանը,</a:t>
+            </a:r>
+          </a:p>
+          <a:p>
+            <a:pPr indent="-228600" lvl="0" marL="457200" rtl="0">
+              <a:spcBef>
+                <a:spcPts val="0"/>
+              </a:spcBef>
+            </a:pPr>
+            <a:r>
+              <a:rPr lang="en"/>
+              <a:t>ցույց է տալիս բոլոր բաց TCP և UDP պորտերը։</a:t>
+            </a:r>
+          </a:p>
+        </p:txBody>
+      </p:sp>
+    </p:spTree>
+  </p:cSld>
+  <p:clrMapOvr>
+    <a:masterClrMapping/>
+  </p:clrMapOvr>
+  <p:transition spd="slow">
+    <p:fade/>
+  </p:transition>
+</p:sld>
+</file>
+
+<file path=ppt/slides/slide15.xml><?xml version="1.0" encoding="utf-8"?>
+<p:sld xmlns:a="http://schemas.openxmlformats.org/drawingml/2006/main" xmlns:r="http://schemas.openxmlformats.org/officeDocument/2006/relationships" xmlns:mc="http://schemas.openxmlformats.org/markup-compatibility/2006" xmlns:mv="urn:schemas-microsoft-com:mac:vml" xmlns:p="http://schemas.openxmlformats.org/presentationml/2006/main" xmlns:c="http://schemas.openxmlformats.org/drawingml/2006/chart" xmlns:dgm="http://schemas.openxmlformats.org/drawingml/2006/diagram" xmlns:o="urn:schemas-microsoft-com:office:office" xmlns:v="urn:schemas-microsoft-com:vml" xmlns:pvml="urn:schemas-microsoft-com:office:powerpoint" xmlns:com="http://schemas.openxmlformats.org/drawingml/2006/compatibility" xmlns:p14="http://schemas.microsoft.com/office/powerpoint/2010/main">
+  <p:cSld>
+    <p:spTree>
+      <p:nvGrpSpPr>
+        <p:cNvPr id="137" name="Shape 137"/>
+        <p:cNvGrpSpPr/>
+        <p:nvPr/>
+      </p:nvGrpSpPr>
+      <p:grpSpPr>
+        <a:xfrm>
+          <a:off x="0" y="0"/>
+          <a:ext cx="0" cy="0"/>
+          <a:chOff x="0" y="0"/>
+          <a:chExt cx="0" cy="0"/>
+        </a:xfrm>
+      </p:grpSpPr>
+      <p:sp>
+        <p:nvSpPr>
+          <p:cNvPr id="138" name="Shape 138"/>
+          <p:cNvSpPr txBox="1"/>
+          <p:nvPr>
+            <p:ph type="title"/>
+          </p:nvPr>
+        </p:nvSpPr>
+        <p:spPr>
+          <a:xfrm>
+            <a:off x="311700" y="445025"/>
+            <a:ext cx="8520600" cy="572700"/>
+          </a:xfrm>
+          <a:prstGeom prst="rect">
+            <a:avLst/>
+          </a:prstGeom>
+        </p:spPr>
+        <p:txBody>
+          <a:bodyPr anchorCtr="0" anchor="t" bIns="91425" lIns="91425" rIns="91425" tIns="91425">
+            <a:noAutofit/>
+          </a:bodyPr>
+          <a:lstStyle/>
+          <a:p>
+            <a:pPr lvl="0">
+              <a:spcBef>
+                <a:spcPts val="0"/>
+              </a:spcBef>
+              <a:buNone/>
+            </a:pPr>
+            <a:r>
+              <a:rPr lang="en"/>
+              <a:t>Համակարգային օգտագործող</a:t>
+            </a:r>
+          </a:p>
+        </p:txBody>
+      </p:sp>
+      <p:sp>
+        <p:nvSpPr>
+          <p:cNvPr id="139" name="Shape 139"/>
+          <p:cNvSpPr txBox="1"/>
+          <p:nvPr>
+            <p:ph idx="1" type="body"/>
+          </p:nvPr>
+        </p:nvSpPr>
+        <p:spPr>
+          <a:xfrm>
+            <a:off x="311700" y="1152475"/>
+            <a:ext cx="8520600" cy="3416400"/>
+          </a:xfrm>
+          <a:prstGeom prst="rect">
+            <a:avLst/>
+          </a:prstGeom>
+        </p:spPr>
+        <p:txBody>
+          <a:bodyPr anchorCtr="0" anchor="t" bIns="91425" lIns="91425" rIns="91425" tIns="91425">
+            <a:noAutofit/>
+          </a:bodyPr>
+          <a:lstStyle/>
+          <a:p>
+            <a:pPr indent="-228600" lvl="0" marL="457200" rtl="0">
+              <a:spcBef>
+                <a:spcPts val="0"/>
+              </a:spcBef>
+            </a:pPr>
+            <a:r>
+              <a:rPr lang="en"/>
+              <a:t>համակարգային օգտագործողով մուտք գործելը համարվում է ոչ անվտանգ,</a:t>
+            </a:r>
+          </a:p>
+          <a:p>
+            <a:pPr indent="-228600" lvl="0" marL="457200">
+              <a:spcBef>
+                <a:spcPts val="0"/>
+              </a:spcBef>
+            </a:pPr>
+            <a:r>
+              <a:rPr lang="en"/>
+              <a:t>ստուգում է </a:t>
+            </a:r>
+            <a:r>
+              <a:rPr lang="en">
+                <a:latin typeface="Courier New"/>
+                <a:ea typeface="Courier New"/>
+                <a:cs typeface="Courier New"/>
+                <a:sym typeface="Courier New"/>
+              </a:rPr>
+              <a:t>SUDO_UID</a:t>
+            </a:r>
+            <a:r>
+              <a:rPr lang="en">
+                <a:latin typeface="Average"/>
+                <a:ea typeface="Average"/>
+                <a:cs typeface="Average"/>
+                <a:sym typeface="Average"/>
+              </a:rPr>
+              <a:t> </a:t>
+            </a:r>
+            <a:r>
+              <a:rPr lang="en"/>
+              <a:t>միջավայրային փոփոխականի առկայությունը։</a:t>
+            </a:r>
+          </a:p>
+        </p:txBody>
+      </p:sp>
+    </p:spTree>
+  </p:cSld>
+  <p:clrMapOvr>
+    <a:masterClrMapping/>
+  </p:clrMapOvr>
+  <p:transition spd="slow">
+    <p:fade/>
+  </p:transition>
+</p:sld>
+</file>
+
+<file path=ppt/slides/slide16.xml><?xml version="1.0" encoding="utf-8"?>
+<p:sld xmlns:a="http://schemas.openxmlformats.org/drawingml/2006/main" xmlns:r="http://schemas.openxmlformats.org/officeDocument/2006/relationships" xmlns:mc="http://schemas.openxmlformats.org/markup-compatibility/2006" xmlns:mv="urn:schemas-microsoft-com:mac:vml" xmlns:p="http://schemas.openxmlformats.org/presentationml/2006/main" xmlns:c="http://schemas.openxmlformats.org/drawingml/2006/chart" xmlns:dgm="http://schemas.openxmlformats.org/drawingml/2006/diagram" xmlns:o="urn:schemas-microsoft-com:office:office" xmlns:v="urn:schemas-microsoft-com:vml" xmlns:pvml="urn:schemas-microsoft-com:office:powerpoint" xmlns:com="http://schemas.openxmlformats.org/drawingml/2006/compatibility" xmlns:p14="http://schemas.microsoft.com/office/powerpoint/2010/main">
+  <p:cSld>
+    <p:spTree>
+      <p:nvGrpSpPr>
+        <p:cNvPr id="143" name="Shape 143"/>
+        <p:cNvGrpSpPr/>
+        <p:nvPr/>
+      </p:nvGrpSpPr>
+      <p:grpSpPr>
+        <a:xfrm>
+          <a:off x="0" y="0"/>
+          <a:ext cx="0" cy="0"/>
+          <a:chOff x="0" y="0"/>
+          <a:chExt cx="0" cy="0"/>
+        </a:xfrm>
+      </p:grpSpPr>
+      <p:sp>
+        <p:nvSpPr>
+          <p:cNvPr id="144" name="Shape 144"/>
+          <p:cNvSpPr txBox="1"/>
+          <p:nvPr>
+            <p:ph type="title"/>
+          </p:nvPr>
+        </p:nvSpPr>
+        <p:spPr>
+          <a:xfrm>
+            <a:off x="311700" y="445025"/>
+            <a:ext cx="8520600" cy="572700"/>
+          </a:xfrm>
+          <a:prstGeom prst="rect">
+            <a:avLst/>
+          </a:prstGeom>
+        </p:spPr>
+        <p:txBody>
+          <a:bodyPr anchorCtr="0" anchor="t" bIns="91425" lIns="91425" rIns="91425" tIns="91425">
+            <a:noAutofit/>
+          </a:bodyPr>
+          <a:lstStyle/>
+          <a:p>
+            <a:pPr lvl="0">
+              <a:spcBef>
+                <a:spcPts val="0"/>
+              </a:spcBef>
+              <a:buNone/>
+            </a:pPr>
+            <a:r>
+              <a:rPr lang="en"/>
+              <a:t>Umask</a:t>
+            </a:r>
+          </a:p>
+        </p:txBody>
+      </p:sp>
+      <p:sp>
+        <p:nvSpPr>
+          <p:cNvPr id="145" name="Shape 145"/>
+          <p:cNvSpPr txBox="1"/>
+          <p:nvPr>
+            <p:ph idx="1" type="body"/>
+          </p:nvPr>
+        </p:nvSpPr>
+        <p:spPr>
+          <a:xfrm>
+            <a:off x="311700" y="1152475"/>
+            <a:ext cx="8520600" cy="3416400"/>
+          </a:xfrm>
+          <a:prstGeom prst="rect">
+            <a:avLst/>
+          </a:prstGeom>
+        </p:spPr>
+        <p:txBody>
+          <a:bodyPr anchorCtr="0" anchor="t" bIns="91425" lIns="91425" rIns="91425" tIns="91425">
+            <a:noAutofit/>
+          </a:bodyPr>
+          <a:lstStyle/>
+          <a:p>
+            <a:pPr indent="-228600" lvl="0" marL="457200">
+              <a:spcBef>
+                <a:spcPts val="0"/>
+              </a:spcBef>
+            </a:pPr>
+            <a:r>
+              <a:rPr lang="en"/>
+              <a:t>ստուգում է </a:t>
+            </a:r>
+            <a:r>
+              <a:rPr lang="en">
+                <a:latin typeface="Courier New"/>
+                <a:ea typeface="Courier New"/>
+                <a:cs typeface="Courier New"/>
+                <a:sym typeface="Courier New"/>
+              </a:rPr>
+              <a:t>S_IWOTH</a:t>
+            </a:r>
+            <a:r>
+              <a:rPr lang="en"/>
+              <a:t> (write by others) բիթի առկայությունը։</a:t>
+            </a:r>
+          </a:p>
+        </p:txBody>
+      </p:sp>
+    </p:spTree>
+  </p:cSld>
+  <p:clrMapOvr>
+    <a:masterClrMapping/>
+  </p:clrMapOvr>
+  <p:transition spd="slow">
+    <p:fade/>
+  </p:transition>
+</p:sld>
+</file>
+
+<file path=ppt/slides/slide17.xml><?xml version="1.0" encoding="utf-8"?>
+<p:sld xmlns:a="http://schemas.openxmlformats.org/drawingml/2006/main" xmlns:r="http://schemas.openxmlformats.org/officeDocument/2006/relationships" xmlns:mc="http://schemas.openxmlformats.org/markup-compatibility/2006" xmlns:mv="urn:schemas-microsoft-com:mac:vml" xmlns:p="http://schemas.openxmlformats.org/presentationml/2006/main" xmlns:c="http://schemas.openxmlformats.org/drawingml/2006/chart" xmlns:dgm="http://schemas.openxmlformats.org/drawingml/2006/diagram" xmlns:o="urn:schemas-microsoft-com:office:office" xmlns:v="urn:schemas-microsoft-com:vml" xmlns:pvml="urn:schemas-microsoft-com:office:powerpoint" xmlns:com="http://schemas.openxmlformats.org/drawingml/2006/compatibility" xmlns:p14="http://schemas.microsoft.com/office/powerpoint/2010/main">
+  <p:cSld>
+    <p:spTree>
+      <p:nvGrpSpPr>
+        <p:cNvPr id="149" name="Shape 149"/>
+        <p:cNvGrpSpPr/>
+        <p:nvPr/>
+      </p:nvGrpSpPr>
+      <p:grpSpPr>
+        <a:xfrm>
+          <a:off x="0" y="0"/>
+          <a:ext cx="0" cy="0"/>
+          <a:chOff x="0" y="0"/>
+          <a:chExt cx="0" cy="0"/>
+        </a:xfrm>
+      </p:grpSpPr>
+      <p:sp>
+        <p:nvSpPr>
+          <p:cNvPr id="150" name="Shape 150"/>
+          <p:cNvSpPr txBox="1"/>
+          <p:nvPr>
+            <p:ph type="title"/>
+          </p:nvPr>
+        </p:nvSpPr>
+        <p:spPr>
+          <a:xfrm>
+            <a:off x="311700" y="445025"/>
+            <a:ext cx="8520600" cy="572700"/>
+          </a:xfrm>
+          <a:prstGeom prst="rect">
+            <a:avLst/>
+          </a:prstGeom>
+        </p:spPr>
+        <p:txBody>
+          <a:bodyPr anchorCtr="0" anchor="t" bIns="91425" lIns="91425" rIns="91425" tIns="91425">
+            <a:noAutofit/>
+          </a:bodyPr>
+          <a:lstStyle/>
+          <a:p>
+            <a:pPr lvl="0">
+              <a:spcBef>
+                <a:spcPts val="0"/>
+              </a:spcBef>
+              <a:buNone/>
+            </a:pPr>
+            <a:r>
+              <a:rPr lang="en"/>
+              <a:t>SSHd</a:t>
+            </a:r>
+          </a:p>
+        </p:txBody>
+      </p:sp>
+      <p:sp>
+        <p:nvSpPr>
+          <p:cNvPr id="151" name="Shape 151"/>
+          <p:cNvSpPr txBox="1"/>
+          <p:nvPr>
+            <p:ph idx="1" type="body"/>
+          </p:nvPr>
+        </p:nvSpPr>
+        <p:spPr>
+          <a:xfrm>
+            <a:off x="311700" y="1152475"/>
+            <a:ext cx="8520600" cy="3416400"/>
+          </a:xfrm>
+          <a:prstGeom prst="rect">
+            <a:avLst/>
+          </a:prstGeom>
+        </p:spPr>
+        <p:txBody>
+          <a:bodyPr anchorCtr="0" anchor="t" bIns="91425" lIns="91425" rIns="91425" tIns="91425">
+            <a:noAutofit/>
+          </a:bodyPr>
+          <a:lstStyle/>
+          <a:p>
+            <a:pPr indent="-228600" lvl="0" marL="457200" rtl="0">
+              <a:spcBef>
+                <a:spcPts val="0"/>
+              </a:spcBef>
+            </a:pPr>
+            <a:r>
+              <a:rPr lang="en"/>
+              <a:t>SSHd սերվիսի կոնֆիգուրացիոն ֆայլն է </a:t>
+            </a:r>
+            <a:r>
+              <a:rPr lang="en">
+                <a:latin typeface="Courier New"/>
+                <a:ea typeface="Courier New"/>
+                <a:cs typeface="Courier New"/>
+                <a:sym typeface="Courier New"/>
+              </a:rPr>
+              <a:t>/etc/ssh/sshd_config</a:t>
+            </a:r>
+            <a:r>
+              <a:rPr lang="en">
+                <a:latin typeface="Average"/>
+                <a:ea typeface="Average"/>
+                <a:cs typeface="Average"/>
+                <a:sym typeface="Average"/>
+              </a:rPr>
+              <a:t>,</a:t>
+            </a:r>
+          </a:p>
+          <a:p>
+            <a:pPr indent="-228600" lvl="0" marL="457200" rtl="0">
+              <a:spcBef>
+                <a:spcPts val="0"/>
+              </a:spcBef>
+            </a:pPr>
+            <a:r>
+              <a:rPr lang="en"/>
+              <a:t>ստուգում է Protocol տողում 1 թվի բացակայությունը։</a:t>
+            </a:r>
+          </a:p>
+        </p:txBody>
+      </p:sp>
+    </p:spTree>
+  </p:cSld>
+  <p:clrMapOvr>
+    <a:masterClrMapping/>
+  </p:clrMapOvr>
+  <p:transition spd="slow">
+    <p:fade/>
+  </p:transition>
+</p:sld>
+</file>
+
+<file path=ppt/slides/slide18.xml><?xml version="1.0" encoding="utf-8"?>
+<p:sld xmlns:a="http://schemas.openxmlformats.org/drawingml/2006/main" xmlns:r="http://schemas.openxmlformats.org/officeDocument/2006/relationships" xmlns:mc="http://schemas.openxmlformats.org/markup-compatibility/2006" xmlns:mv="urn:schemas-microsoft-com:mac:vml" xmlns:p="http://schemas.openxmlformats.org/presentationml/2006/main" xmlns:c="http://schemas.openxmlformats.org/drawingml/2006/chart" xmlns:dgm="http://schemas.openxmlformats.org/drawingml/2006/diagram" xmlns:o="urn:schemas-microsoft-com:office:office" xmlns:v="urn:schemas-microsoft-com:vml" xmlns:pvml="urn:schemas-microsoft-com:office:powerpoint" xmlns:com="http://schemas.openxmlformats.org/drawingml/2006/compatibility" xmlns:p14="http://schemas.microsoft.com/office/powerpoint/2010/main">
+  <p:cSld>
+    <p:spTree>
+      <p:nvGrpSpPr>
+        <p:cNvPr id="155" name="Shape 155"/>
+        <p:cNvGrpSpPr/>
+        <p:nvPr/>
+      </p:nvGrpSpPr>
+      <p:grpSpPr>
+        <a:xfrm>
+          <a:off x="0" y="0"/>
+          <a:ext cx="0" cy="0"/>
+          <a:chOff x="0" y="0"/>
+          <a:chExt cx="0" cy="0"/>
+        </a:xfrm>
+      </p:grpSpPr>
+      <p:sp>
+        <p:nvSpPr>
+          <p:cNvPr id="156" name="Shape 156"/>
+          <p:cNvSpPr txBox="1"/>
+          <p:nvPr>
+            <p:ph type="title"/>
+          </p:nvPr>
+        </p:nvSpPr>
+        <p:spPr>
+          <a:xfrm>
+            <a:off x="311700" y="445025"/>
+            <a:ext cx="8520600" cy="572700"/>
+          </a:xfrm>
+          <a:prstGeom prst="rect">
+            <a:avLst/>
+          </a:prstGeom>
+        </p:spPr>
+        <p:txBody>
+          <a:bodyPr anchorCtr="0" anchor="t" bIns="91425" lIns="91425" rIns="91425" tIns="91425">
+            <a:noAutofit/>
+          </a:bodyPr>
+          <a:lstStyle/>
+          <a:p>
+            <a:pPr lvl="0">
+              <a:spcBef>
+                <a:spcPts val="0"/>
+              </a:spcBef>
+              <a:buNone/>
+            </a:pPr>
+            <a:r>
+              <a:rPr lang="en"/>
+              <a:t>Այլընտրանքի իրականացումը</a:t>
+            </a:r>
+          </a:p>
+        </p:txBody>
+      </p:sp>
+      <p:sp>
+        <p:nvSpPr>
+          <p:cNvPr id="157" name="Shape 157"/>
+          <p:cNvSpPr txBox="1"/>
+          <p:nvPr>
+            <p:ph idx="1" type="body"/>
+          </p:nvPr>
+        </p:nvSpPr>
+        <p:spPr>
+          <a:xfrm>
+            <a:off x="311700" y="1152475"/>
+            <a:ext cx="8520600" cy="3416400"/>
+          </a:xfrm>
+          <a:prstGeom prst="rect">
+            <a:avLst/>
+          </a:prstGeom>
+        </p:spPr>
+        <p:txBody>
+          <a:bodyPr anchorCtr="0" anchor="t" bIns="91425" lIns="91425" rIns="91425" tIns="91425">
+            <a:noAutofit/>
+          </a:bodyPr>
+          <a:lstStyle/>
+          <a:p>
+            <a:pPr indent="-228600" lvl="0" marL="457200" rtl="0">
+              <a:spcBef>
+                <a:spcPts val="0"/>
+              </a:spcBef>
+            </a:pPr>
+            <a:r>
+              <a:rPr lang="en"/>
+              <a:t>իրականացված է Python լեզվով,</a:t>
+            </a:r>
+          </a:p>
+          <a:p>
+            <a:pPr indent="-228600" lvl="0" marL="457200" rtl="0">
+              <a:spcBef>
+                <a:spcPts val="0"/>
+              </a:spcBef>
+            </a:pPr>
+            <a:r>
+              <a:rPr lang="en"/>
+              <a:t>սկզբնական կոդը հասանելի է` </a:t>
+            </a:r>
+            <a:r>
+              <a:rPr lang="en" u="sng">
+                <a:solidFill>
+                  <a:schemeClr val="hlink"/>
+                </a:solidFill>
+                <a:latin typeface="Courier New"/>
+                <a:ea typeface="Courier New"/>
+                <a:cs typeface="Courier New"/>
+                <a:sym typeface="Courier New"/>
+                <a:hlinkClick r:id="rId3"/>
+              </a:rPr>
+              <a:t>https://github.com/axper/lmap</a:t>
+            </a:r>
+          </a:p>
+        </p:txBody>
+      </p:sp>
+      <p:pic>
+        <p:nvPicPr>
+          <p:cNvPr id="158" name="Shape 158"/>
+          <p:cNvPicPr preferRelativeResize="0"/>
+          <p:nvPr/>
+        </p:nvPicPr>
+        <p:blipFill rotWithShape="1">
+          <a:blip r:embed="rId4">
+            <a:alphaModFix/>
+          </a:blip>
+          <a:srcRect b="0" l="0" r="0" t="0"/>
+          <a:stretch/>
+        </p:blipFill>
+        <p:spPr>
+          <a:xfrm>
+            <a:off x="2251637" y="2053424"/>
+            <a:ext cx="4640724" cy="3090074"/>
+          </a:xfrm>
+          <a:prstGeom prst="rect">
+            <a:avLst/>
+          </a:prstGeom>
+          <a:noFill/>
+          <a:ln>
+            <a:noFill/>
+          </a:ln>
+        </p:spPr>
+      </p:pic>
+    </p:spTree>
+  </p:cSld>
+  <p:clrMapOvr>
+    <a:masterClrMapping/>
+  </p:clrMapOvr>
+  <p:transition spd="slow">
+    <p:fade/>
+  </p:transition>
+</p:sld>
+</file>
+
+<file path=ppt/slides/slide19.xml><?xml version="1.0" encoding="utf-8"?>
+<p:sld xmlns:a="http://schemas.openxmlformats.org/drawingml/2006/main" xmlns:r="http://schemas.openxmlformats.org/officeDocument/2006/relationships" xmlns:mc="http://schemas.openxmlformats.org/markup-compatibility/2006" xmlns:mv="urn:schemas-microsoft-com:mac:vml" xmlns:p="http://schemas.openxmlformats.org/presentationml/2006/main" xmlns:c="http://schemas.openxmlformats.org/drawingml/2006/chart" xmlns:dgm="http://schemas.openxmlformats.org/drawingml/2006/diagram" xmlns:o="urn:schemas-microsoft-com:office:office" xmlns:v="urn:schemas-microsoft-com:vml" xmlns:pvml="urn:schemas-microsoft-com:office:powerpoint" xmlns:com="http://schemas.openxmlformats.org/drawingml/2006/compatibility" xmlns:p14="http://schemas.microsoft.com/office/powerpoint/2010/main">
+  <p:cSld>
+    <p:spTree>
+      <p:nvGrpSpPr>
+        <p:cNvPr id="162" name="Shape 162"/>
+        <p:cNvGrpSpPr/>
+        <p:nvPr/>
+      </p:nvGrpSpPr>
+      <p:grpSpPr>
+        <a:xfrm>
+          <a:off x="0" y="0"/>
+          <a:ext cx="0" cy="0"/>
+          <a:chOff x="0" y="0"/>
+          <a:chExt cx="0" cy="0"/>
+        </a:xfrm>
+      </p:grpSpPr>
+      <p:sp>
+        <p:nvSpPr>
+          <p:cNvPr id="163" name="Shape 163"/>
+          <p:cNvSpPr txBox="1"/>
+          <p:nvPr>
+            <p:ph type="title"/>
+          </p:nvPr>
+        </p:nvSpPr>
+        <p:spPr>
+          <a:xfrm>
+            <a:off x="311700" y="445025"/>
+            <a:ext cx="8520600" cy="572700"/>
+          </a:xfrm>
+          <a:prstGeom prst="rect">
+            <a:avLst/>
+          </a:prstGeom>
+        </p:spPr>
+        <p:txBody>
+          <a:bodyPr anchorCtr="0" anchor="t" bIns="91425" lIns="91425" rIns="91425" tIns="91425">
+            <a:noAutofit/>
+          </a:bodyPr>
+          <a:lstStyle/>
+          <a:p>
+            <a:pPr lvl="0">
+              <a:spcBef>
+                <a:spcPts val="0"/>
+              </a:spcBef>
+              <a:buNone/>
+            </a:pPr>
+            <a:r>
+              <a:rPr lang="en"/>
+              <a:t>Եզրակացություն</a:t>
+            </a:r>
+          </a:p>
+        </p:txBody>
+      </p:sp>
+      <p:sp>
+        <p:nvSpPr>
+          <p:cNvPr id="164" name="Shape 164"/>
+          <p:cNvSpPr txBox="1"/>
+          <p:nvPr>
+            <p:ph idx="1" type="body"/>
+          </p:nvPr>
+        </p:nvSpPr>
+        <p:spPr>
+          <a:xfrm>
+            <a:off x="311700" y="1152475"/>
+            <a:ext cx="8520600" cy="3416400"/>
+          </a:xfrm>
+          <a:prstGeom prst="rect">
+            <a:avLst/>
+          </a:prstGeom>
+        </p:spPr>
+        <p:txBody>
+          <a:bodyPr anchorCtr="0" anchor="t" bIns="91425" lIns="91425" rIns="91425" tIns="91425">
+            <a:noAutofit/>
+          </a:bodyPr>
+          <a:lstStyle/>
+          <a:p>
+            <a:pPr lvl="0">
+              <a:spcBef>
+                <a:spcPts val="0"/>
+              </a:spcBef>
+              <a:buNone/>
+            </a:pPr>
+            <a:r>
+              <a:rPr lang="en"/>
+              <a:t>Իրականացված աշխատանքի առավելությունները ցանցային սկաներների նկատմամբ՝</a:t>
+            </a:r>
+          </a:p>
+          <a:p>
+            <a:pPr indent="-228600" lvl="0" marL="457200" rtl="0">
+              <a:spcBef>
+                <a:spcPts val="0"/>
+              </a:spcBef>
+            </a:pPr>
+            <a:r>
+              <a:rPr lang="en"/>
+              <a:t>արագագործություն,</a:t>
+            </a:r>
+          </a:p>
+          <a:p>
+            <a:pPr indent="-228600" lvl="0" marL="457200" rtl="0">
+              <a:spcBef>
+                <a:spcPts val="0"/>
+              </a:spcBef>
+            </a:pPr>
+            <a:r>
+              <a:rPr lang="en"/>
+              <a:t>հուսալիություն,</a:t>
+            </a:r>
+          </a:p>
+          <a:p>
+            <a:pPr indent="-228600" lvl="0" marL="457200" rtl="0">
+              <a:spcBef>
+                <a:spcPts val="0"/>
+              </a:spcBef>
+            </a:pPr>
+            <a:r>
+              <a:rPr lang="en"/>
+              <a:t>միանշանակ արդյունքներ,</a:t>
+            </a:r>
+          </a:p>
+          <a:p>
+            <a:pPr indent="-228600" lvl="0" marL="457200" rtl="0">
+              <a:spcBef>
+                <a:spcPts val="0"/>
+              </a:spcBef>
+            </a:pPr>
+            <a:r>
+              <a:rPr lang="en"/>
+              <a:t>հնարավոր առավել բազմազան ստուգումներ։</a:t>
+            </a:r>
+          </a:p>
+          <a:p>
+            <a:pPr lvl="0" rtl="0">
+              <a:spcBef>
+                <a:spcPts val="0"/>
+              </a:spcBef>
+              <a:buNone/>
+            </a:pPr>
+            <a:r>
+              <a:rPr lang="en"/>
+              <a:t>Անհրաժեշտ է՝</a:t>
+            </a:r>
+          </a:p>
+          <a:p>
+            <a:pPr indent="-228600" lvl="0" marL="457200" rtl="0">
+              <a:spcBef>
+                <a:spcPts val="0"/>
+              </a:spcBef>
+            </a:pPr>
+            <a:r>
+              <a:rPr lang="en"/>
+              <a:t>հետագա երկարատև մշակում և կատարելագործում,</a:t>
+            </a:r>
+          </a:p>
+          <a:p>
+            <a:pPr indent="-228600" lvl="0" marL="457200" rtl="0">
+              <a:spcBef>
+                <a:spcPts val="0"/>
+              </a:spcBef>
+            </a:pPr>
+            <a:r>
+              <a:rPr lang="en"/>
+              <a:t>հասանելիություն ներսից,</a:t>
+            </a:r>
+          </a:p>
+          <a:p>
+            <a:pPr indent="-228600" lvl="0" marL="457200">
+              <a:spcBef>
+                <a:spcPts val="0"/>
+              </a:spcBef>
+            </a:pPr>
+            <a:r>
+              <a:rPr lang="en"/>
+              <a:t>վստահություն ադմինիստրատորների կողմից։</a:t>
             </a:r>
           </a:p>
         </p:txBody>
@@ -5899,6 +7116,70 @@
 </p:sld>
 </file>
 
+<file path=ppt/slides/slide20.xml><?xml version="1.0" encoding="utf-8"?>
+<p:sld xmlns:a="http://schemas.openxmlformats.org/drawingml/2006/main" xmlns:r="http://schemas.openxmlformats.org/officeDocument/2006/relationships" xmlns:mc="http://schemas.openxmlformats.org/markup-compatibility/2006" xmlns:mv="urn:schemas-microsoft-com:mac:vml" xmlns:p="http://schemas.openxmlformats.org/presentationml/2006/main" xmlns:c="http://schemas.openxmlformats.org/drawingml/2006/chart" xmlns:dgm="http://schemas.openxmlformats.org/drawingml/2006/diagram" xmlns:o="urn:schemas-microsoft-com:office:office" xmlns:v="urn:schemas-microsoft-com:vml" xmlns:pvml="urn:schemas-microsoft-com:office:powerpoint" xmlns:com="http://schemas.openxmlformats.org/drawingml/2006/compatibility" xmlns:p14="http://schemas.microsoft.com/office/powerpoint/2010/main">
+  <p:cSld>
+    <p:spTree>
+      <p:nvGrpSpPr>
+        <p:cNvPr id="168" name="Shape 168"/>
+        <p:cNvGrpSpPr/>
+        <p:nvPr/>
+      </p:nvGrpSpPr>
+      <p:grpSpPr>
+        <a:xfrm>
+          <a:off x="0" y="0"/>
+          <a:ext cx="0" cy="0"/>
+          <a:chOff x="0" y="0"/>
+          <a:chExt cx="0" cy="0"/>
+        </a:xfrm>
+      </p:grpSpPr>
+      <p:sp>
+        <p:nvSpPr>
+          <p:cNvPr id="169" name="Shape 169"/>
+          <p:cNvSpPr txBox="1"/>
+          <p:nvPr>
+            <p:ph type="title"/>
+          </p:nvPr>
+        </p:nvSpPr>
+        <p:spPr>
+          <a:xfrm>
+            <a:off x="311700" y="2150850"/>
+            <a:ext cx="8520600" cy="841800"/>
+          </a:xfrm>
+          <a:prstGeom prst="rect">
+            <a:avLst/>
+          </a:prstGeom>
+        </p:spPr>
+        <p:txBody>
+          <a:bodyPr anchorCtr="0" anchor="ctr" bIns="91425" lIns="91425" rIns="91425" tIns="91425">
+            <a:noAutofit/>
+          </a:bodyPr>
+          <a:lstStyle/>
+          <a:p>
+            <a:pPr lvl="0">
+              <a:spcBef>
+                <a:spcPts val="0"/>
+              </a:spcBef>
+              <a:buNone/>
+            </a:pPr>
+            <a:r>
+              <a:rPr lang="en"/>
+              <a:t>Շնորհակալություն</a:t>
+            </a:r>
+          </a:p>
+        </p:txBody>
+      </p:sp>
+    </p:spTree>
+  </p:cSld>
+  <p:clrMapOvr>
+    <a:masterClrMapping/>
+  </p:clrMapOvr>
+  <p:transition spd="slow">
+    <p:fade/>
+  </p:transition>
+</p:sld>
+</file>
+
 <file path=ppt/slides/slide3.xml><?xml version="1.0" encoding="utf-8"?>
 <p:sld xmlns:a="http://schemas.openxmlformats.org/drawingml/2006/main" xmlns:r="http://schemas.openxmlformats.org/officeDocument/2006/relationships" xmlns:mc="http://schemas.openxmlformats.org/markup-compatibility/2006" xmlns:mv="urn:schemas-microsoft-com:mac:vml" xmlns:p="http://schemas.openxmlformats.org/presentationml/2006/main" xmlns:c="http://schemas.openxmlformats.org/drawingml/2006/chart" xmlns:dgm="http://schemas.openxmlformats.org/drawingml/2006/diagram" xmlns:o="urn:schemas-microsoft-com:office:office" xmlns:v="urn:schemas-microsoft-com:vml" xmlns:pvml="urn:schemas-microsoft-com:office:powerpoint" xmlns:com="http://schemas.openxmlformats.org/drawingml/2006/compatibility" xmlns:p14="http://schemas.microsoft.com/office/powerpoint/2010/main">
   <p:cSld>
@@ -6139,7 +7420,7 @@
             </a:pPr>
             <a:r>
               <a:rPr lang="en"/>
-              <a:t>բիզնեսի խոչնդոտում,</a:t>
+              <a:t>բիզնեսի խոչընդոտում,</a:t>
             </a:r>
           </a:p>
           <a:p>
@@ -6514,7 +7795,7 @@
             </a:pPr>
             <a:r>
               <a:rPr lang="en"/>
-              <a:t>բաց պոտեր,</a:t>
+              <a:t>բաց պորտեր,</a:t>
             </a:r>
           </a:p>
           <a:p>
@@ -6692,7 +7973,7 @@
             </a:pPr>
             <a:r>
               <a:rPr lang="en"/>
-              <a:t>հասցեների և պորտեի շրջանակի որոշում,</a:t>
+              <a:t>հասցեների և պորտրեի շրջանակի որոշում,</a:t>
             </a:r>
           </a:p>
           <a:p>
@@ -6914,7 +8195,7 @@
             </a:pPr>
             <a:r>
               <a:rPr lang="en"/>
-              <a:t>ցանցային ռեսուրսների վատնում, աշխատանքի խոչնդոտում,</a:t>
+              <a:t>ցանցային ռեսուրսների վատնում, աշխատանքի խոչընդոտում,</a:t>
             </a:r>
           </a:p>
           <a:p>
